--- a/5. Career Guideline/CP VS SD.pptx
+++ b/5. Career Guideline/CP VS SD.pptx
@@ -1,18 +1,20 @@
 
 <file path=ppt/presentation.xml><?xml version="1.0" encoding="utf-8"?>
-<p:presentation xmlns:a="http://schemas.openxmlformats.org/drawingml/2006/main" xmlns:r="http://schemas.openxmlformats.org/officeDocument/2006/relationships" xmlns:p="http://schemas.openxmlformats.org/presentationml/2006/main" saveSubsetFonts="1">
+<p:presentation xmlns:a="http://schemas.openxmlformats.org/drawingml/2006/main" xmlns:r="http://schemas.openxmlformats.org/officeDocument/2006/relationships" xmlns:p="http://schemas.openxmlformats.org/presentationml/2006/main">
   <p:sldMasterIdLst>
     <p:sldMasterId id="2147483648" r:id="rId1"/>
   </p:sldMasterIdLst>
   <p:sldIdLst>
-    <p:sldId id="256" r:id="rId2"/>
-    <p:sldId id="257" r:id="rId3"/>
-    <p:sldId id="258" r:id="rId4"/>
-    <p:sldId id="259" r:id="rId5"/>
-    <p:sldId id="260" r:id="rId6"/>
-    <p:sldId id="261" r:id="rId7"/>
-    <p:sldId id="262" r:id="rId8"/>
-    <p:sldId id="263" r:id="rId9"/>
+    <p:sldId id="264" r:id="rId3"/>
+    <p:sldId id="256" r:id="rId4"/>
+    <p:sldId id="257" r:id="rId5"/>
+    <p:sldId id="258" r:id="rId6"/>
+    <p:sldId id="259" r:id="rId7"/>
+    <p:sldId id="260" r:id="rId8"/>
+    <p:sldId id="261" r:id="rId9"/>
+    <p:sldId id="262" r:id="rId10"/>
+    <p:sldId id="265" r:id="rId11"/>
+    <p:sldId id="263" r:id="rId12"/>
   </p:sldIdLst>
   <p:sldSz cx="12192000" cy="6858000"/>
   <p:notesSz cx="6858000" cy="9144000"/>
@@ -245,7 +247,6 @@
           <a:p>
             <a:fld id="{4920F49F-8F9B-4762-AC4F-1E92EFA01A8B}" type="datetimeFigureOut">
               <a:rPr lang="en-US" smtClean="0"/>
-              <a:t>9/5/2022</a:t>
             </a:fld>
             <a:endParaRPr lang="en-US"/>
           </a:p>
@@ -287,18 +288,12 @@
           <a:p>
             <a:fld id="{FF9B1E66-E887-4831-99CC-9696A9A370B1}" type="slidenum">
               <a:rPr lang="en-US" smtClean="0"/>
-              <a:t>‹#›</a:t>
             </a:fld>
             <a:endParaRPr lang="en-US"/>
           </a:p>
         </p:txBody>
       </p:sp>
     </p:spTree>
-    <p:extLst>
-      <p:ext uri="{BB962C8B-B14F-4D97-AF65-F5344CB8AC3E}">
-        <p14:creationId xmlns:p14="http://schemas.microsoft.com/office/powerpoint/2010/main" val="3690378425"/>
-      </p:ext>
-    </p:extLst>
   </p:cSld>
   <p:clrMapOvr>
     <a:masterClrMapping/>
@@ -366,6 +361,7 @@
               <a:rPr lang="en-US" smtClean="0"/>
               <a:t>Click to edit Master text styles</a:t>
             </a:r>
+            <a:endParaRPr lang="en-US" smtClean="0"/>
           </a:p>
           <a:p>
             <a:pPr lvl="1"/>
@@ -373,6 +369,7 @@
               <a:rPr lang="en-US" smtClean="0"/>
               <a:t>Second level</a:t>
             </a:r>
+            <a:endParaRPr lang="en-US" smtClean="0"/>
           </a:p>
           <a:p>
             <a:pPr lvl="2"/>
@@ -380,6 +377,7 @@
               <a:rPr lang="en-US" smtClean="0"/>
               <a:t>Third level</a:t>
             </a:r>
+            <a:endParaRPr lang="en-US" smtClean="0"/>
           </a:p>
           <a:p>
             <a:pPr lvl="3"/>
@@ -387,6 +385,7 @@
               <a:rPr lang="en-US" smtClean="0"/>
               <a:t>Fourth level</a:t>
             </a:r>
+            <a:endParaRPr lang="en-US" smtClean="0"/>
           </a:p>
           <a:p>
             <a:pPr lvl="4"/>
@@ -415,7 +414,6 @@
           <a:p>
             <a:fld id="{4920F49F-8F9B-4762-AC4F-1E92EFA01A8B}" type="datetimeFigureOut">
               <a:rPr lang="en-US" smtClean="0"/>
-              <a:t>9/5/2022</a:t>
             </a:fld>
             <a:endParaRPr lang="en-US"/>
           </a:p>
@@ -457,18 +455,12 @@
           <a:p>
             <a:fld id="{FF9B1E66-E887-4831-99CC-9696A9A370B1}" type="slidenum">
               <a:rPr lang="en-US" smtClean="0"/>
-              <a:t>‹#›</a:t>
             </a:fld>
             <a:endParaRPr lang="en-US"/>
           </a:p>
         </p:txBody>
       </p:sp>
     </p:spTree>
-    <p:extLst>
-      <p:ext uri="{BB962C8B-B14F-4D97-AF65-F5344CB8AC3E}">
-        <p14:creationId xmlns:p14="http://schemas.microsoft.com/office/powerpoint/2010/main" val="2021558750"/>
-      </p:ext>
-    </p:extLst>
   </p:cSld>
   <p:clrMapOvr>
     <a:masterClrMapping/>
@@ -546,6 +538,7 @@
               <a:rPr lang="en-US" smtClean="0"/>
               <a:t>Click to edit Master text styles</a:t>
             </a:r>
+            <a:endParaRPr lang="en-US" smtClean="0"/>
           </a:p>
           <a:p>
             <a:pPr lvl="1"/>
@@ -553,6 +546,7 @@
               <a:rPr lang="en-US" smtClean="0"/>
               <a:t>Second level</a:t>
             </a:r>
+            <a:endParaRPr lang="en-US" smtClean="0"/>
           </a:p>
           <a:p>
             <a:pPr lvl="2"/>
@@ -560,6 +554,7 @@
               <a:rPr lang="en-US" smtClean="0"/>
               <a:t>Third level</a:t>
             </a:r>
+            <a:endParaRPr lang="en-US" smtClean="0"/>
           </a:p>
           <a:p>
             <a:pPr lvl="3"/>
@@ -567,6 +562,7 @@
               <a:rPr lang="en-US" smtClean="0"/>
               <a:t>Fourth level</a:t>
             </a:r>
+            <a:endParaRPr lang="en-US" smtClean="0"/>
           </a:p>
           <a:p>
             <a:pPr lvl="4"/>
@@ -595,7 +591,6 @@
           <a:p>
             <a:fld id="{4920F49F-8F9B-4762-AC4F-1E92EFA01A8B}" type="datetimeFigureOut">
               <a:rPr lang="en-US" smtClean="0"/>
-              <a:t>9/5/2022</a:t>
             </a:fld>
             <a:endParaRPr lang="en-US"/>
           </a:p>
@@ -637,18 +632,12 @@
           <a:p>
             <a:fld id="{FF9B1E66-E887-4831-99CC-9696A9A370B1}" type="slidenum">
               <a:rPr lang="en-US" smtClean="0"/>
-              <a:t>‹#›</a:t>
             </a:fld>
             <a:endParaRPr lang="en-US"/>
           </a:p>
         </p:txBody>
       </p:sp>
     </p:spTree>
-    <p:extLst>
-      <p:ext uri="{BB962C8B-B14F-4D97-AF65-F5344CB8AC3E}">
-        <p14:creationId xmlns:p14="http://schemas.microsoft.com/office/powerpoint/2010/main" val="1919706940"/>
-      </p:ext>
-    </p:extLst>
   </p:cSld>
   <p:clrMapOvr>
     <a:masterClrMapping/>
@@ -716,6 +705,7 @@
               <a:rPr lang="en-US" smtClean="0"/>
               <a:t>Click to edit Master text styles</a:t>
             </a:r>
+            <a:endParaRPr lang="en-US" smtClean="0"/>
           </a:p>
           <a:p>
             <a:pPr lvl="1"/>
@@ -723,6 +713,7 @@
               <a:rPr lang="en-US" smtClean="0"/>
               <a:t>Second level</a:t>
             </a:r>
+            <a:endParaRPr lang="en-US" smtClean="0"/>
           </a:p>
           <a:p>
             <a:pPr lvl="2"/>
@@ -730,6 +721,7 @@
               <a:rPr lang="en-US" smtClean="0"/>
               <a:t>Third level</a:t>
             </a:r>
+            <a:endParaRPr lang="en-US" smtClean="0"/>
           </a:p>
           <a:p>
             <a:pPr lvl="3"/>
@@ -737,6 +729,7 @@
               <a:rPr lang="en-US" smtClean="0"/>
               <a:t>Fourth level</a:t>
             </a:r>
+            <a:endParaRPr lang="en-US" smtClean="0"/>
           </a:p>
           <a:p>
             <a:pPr lvl="4"/>
@@ -765,7 +758,6 @@
           <a:p>
             <a:fld id="{4920F49F-8F9B-4762-AC4F-1E92EFA01A8B}" type="datetimeFigureOut">
               <a:rPr lang="en-US" smtClean="0"/>
-              <a:t>9/5/2022</a:t>
             </a:fld>
             <a:endParaRPr lang="en-US"/>
           </a:p>
@@ -807,18 +799,12 @@
           <a:p>
             <a:fld id="{FF9B1E66-E887-4831-99CC-9696A9A370B1}" type="slidenum">
               <a:rPr lang="en-US" smtClean="0"/>
-              <a:t>‹#›</a:t>
             </a:fld>
             <a:endParaRPr lang="en-US"/>
           </a:p>
         </p:txBody>
       </p:sp>
     </p:spTree>
-    <p:extLst>
-      <p:ext uri="{BB962C8B-B14F-4D97-AF65-F5344CB8AC3E}">
-        <p14:creationId xmlns:p14="http://schemas.microsoft.com/office/powerpoint/2010/main" val="2989712221"/>
-      </p:ext>
-    </p:extLst>
   </p:cSld>
   <p:clrMapOvr>
     <a:masterClrMapping/>
@@ -991,6 +977,7 @@
               <a:rPr lang="en-US" smtClean="0"/>
               <a:t>Click to edit Master text styles</a:t>
             </a:r>
+            <a:endParaRPr lang="en-US" smtClean="0"/>
           </a:p>
         </p:txBody>
       </p:sp>
@@ -1011,7 +998,6 @@
           <a:p>
             <a:fld id="{4920F49F-8F9B-4762-AC4F-1E92EFA01A8B}" type="datetimeFigureOut">
               <a:rPr lang="en-US" smtClean="0"/>
-              <a:t>9/5/2022</a:t>
             </a:fld>
             <a:endParaRPr lang="en-US"/>
           </a:p>
@@ -1053,18 +1039,12 @@
           <a:p>
             <a:fld id="{FF9B1E66-E887-4831-99CC-9696A9A370B1}" type="slidenum">
               <a:rPr lang="en-US" smtClean="0"/>
-              <a:t>‹#›</a:t>
             </a:fld>
             <a:endParaRPr lang="en-US"/>
           </a:p>
         </p:txBody>
       </p:sp>
     </p:spTree>
-    <p:extLst>
-      <p:ext uri="{BB962C8B-B14F-4D97-AF65-F5344CB8AC3E}">
-        <p14:creationId xmlns:p14="http://schemas.microsoft.com/office/powerpoint/2010/main" val="3166073815"/>
-      </p:ext>
-    </p:extLst>
   </p:cSld>
   <p:clrMapOvr>
     <a:masterClrMapping/>
@@ -1137,6 +1117,7 @@
               <a:rPr lang="en-US" smtClean="0"/>
               <a:t>Click to edit Master text styles</a:t>
             </a:r>
+            <a:endParaRPr lang="en-US" smtClean="0"/>
           </a:p>
           <a:p>
             <a:pPr lvl="1"/>
@@ -1144,6 +1125,7 @@
               <a:rPr lang="en-US" smtClean="0"/>
               <a:t>Second level</a:t>
             </a:r>
+            <a:endParaRPr lang="en-US" smtClean="0"/>
           </a:p>
           <a:p>
             <a:pPr lvl="2"/>
@@ -1151,6 +1133,7 @@
               <a:rPr lang="en-US" smtClean="0"/>
               <a:t>Third level</a:t>
             </a:r>
+            <a:endParaRPr lang="en-US" smtClean="0"/>
           </a:p>
           <a:p>
             <a:pPr lvl="3"/>
@@ -1158,6 +1141,7 @@
               <a:rPr lang="en-US" smtClean="0"/>
               <a:t>Fourth level</a:t>
             </a:r>
+            <a:endParaRPr lang="en-US" smtClean="0"/>
           </a:p>
           <a:p>
             <a:pPr lvl="4"/>
@@ -1194,6 +1178,7 @@
               <a:rPr lang="en-US" smtClean="0"/>
               <a:t>Click to edit Master text styles</a:t>
             </a:r>
+            <a:endParaRPr lang="en-US" smtClean="0"/>
           </a:p>
           <a:p>
             <a:pPr lvl="1"/>
@@ -1201,6 +1186,7 @@
               <a:rPr lang="en-US" smtClean="0"/>
               <a:t>Second level</a:t>
             </a:r>
+            <a:endParaRPr lang="en-US" smtClean="0"/>
           </a:p>
           <a:p>
             <a:pPr lvl="2"/>
@@ -1208,6 +1194,7 @@
               <a:rPr lang="en-US" smtClean="0"/>
               <a:t>Third level</a:t>
             </a:r>
+            <a:endParaRPr lang="en-US" smtClean="0"/>
           </a:p>
           <a:p>
             <a:pPr lvl="3"/>
@@ -1215,6 +1202,7 @@
               <a:rPr lang="en-US" smtClean="0"/>
               <a:t>Fourth level</a:t>
             </a:r>
+            <a:endParaRPr lang="en-US" smtClean="0"/>
           </a:p>
           <a:p>
             <a:pPr lvl="4"/>
@@ -1243,7 +1231,6 @@
           <a:p>
             <a:fld id="{4920F49F-8F9B-4762-AC4F-1E92EFA01A8B}" type="datetimeFigureOut">
               <a:rPr lang="en-US" smtClean="0"/>
-              <a:t>9/5/2022</a:t>
             </a:fld>
             <a:endParaRPr lang="en-US"/>
           </a:p>
@@ -1285,18 +1272,12 @@
           <a:p>
             <a:fld id="{FF9B1E66-E887-4831-99CC-9696A9A370B1}" type="slidenum">
               <a:rPr lang="en-US" smtClean="0"/>
-              <a:t>‹#›</a:t>
             </a:fld>
             <a:endParaRPr lang="en-US"/>
           </a:p>
         </p:txBody>
       </p:sp>
     </p:spTree>
-    <p:extLst>
-      <p:ext uri="{BB962C8B-B14F-4D97-AF65-F5344CB8AC3E}">
-        <p14:creationId xmlns:p14="http://schemas.microsoft.com/office/powerpoint/2010/main" val="499687405"/>
-      </p:ext>
-    </p:extLst>
   </p:cSld>
   <p:clrMapOvr>
     <a:masterClrMapping/>
@@ -1411,6 +1392,7 @@
               <a:rPr lang="en-US" smtClean="0"/>
               <a:t>Click to edit Master text styles</a:t>
             </a:r>
+            <a:endParaRPr lang="en-US" smtClean="0"/>
           </a:p>
         </p:txBody>
       </p:sp>
@@ -1439,6 +1421,7 @@
               <a:rPr lang="en-US" smtClean="0"/>
               <a:t>Click to edit Master text styles</a:t>
             </a:r>
+            <a:endParaRPr lang="en-US" smtClean="0"/>
           </a:p>
           <a:p>
             <a:pPr lvl="1"/>
@@ -1446,6 +1429,7 @@
               <a:rPr lang="en-US" smtClean="0"/>
               <a:t>Second level</a:t>
             </a:r>
+            <a:endParaRPr lang="en-US" smtClean="0"/>
           </a:p>
           <a:p>
             <a:pPr lvl="2"/>
@@ -1453,6 +1437,7 @@
               <a:rPr lang="en-US" smtClean="0"/>
               <a:t>Third level</a:t>
             </a:r>
+            <a:endParaRPr lang="en-US" smtClean="0"/>
           </a:p>
           <a:p>
             <a:pPr lvl="3"/>
@@ -1460,6 +1445,7 @@
               <a:rPr lang="en-US" smtClean="0"/>
               <a:t>Fourth level</a:t>
             </a:r>
+            <a:endParaRPr lang="en-US" smtClean="0"/>
           </a:p>
           <a:p>
             <a:pPr lvl="4"/>
@@ -1533,6 +1519,7 @@
               <a:rPr lang="en-US" smtClean="0"/>
               <a:t>Click to edit Master text styles</a:t>
             </a:r>
+            <a:endParaRPr lang="en-US" smtClean="0"/>
           </a:p>
         </p:txBody>
       </p:sp>
@@ -1561,6 +1548,7 @@
               <a:rPr lang="en-US" smtClean="0"/>
               <a:t>Click to edit Master text styles</a:t>
             </a:r>
+            <a:endParaRPr lang="en-US" smtClean="0"/>
           </a:p>
           <a:p>
             <a:pPr lvl="1"/>
@@ -1568,6 +1556,7 @@
               <a:rPr lang="en-US" smtClean="0"/>
               <a:t>Second level</a:t>
             </a:r>
+            <a:endParaRPr lang="en-US" smtClean="0"/>
           </a:p>
           <a:p>
             <a:pPr lvl="2"/>
@@ -1575,6 +1564,7 @@
               <a:rPr lang="en-US" smtClean="0"/>
               <a:t>Third level</a:t>
             </a:r>
+            <a:endParaRPr lang="en-US" smtClean="0"/>
           </a:p>
           <a:p>
             <a:pPr lvl="3"/>
@@ -1582,6 +1572,7 @@
               <a:rPr lang="en-US" smtClean="0"/>
               <a:t>Fourth level</a:t>
             </a:r>
+            <a:endParaRPr lang="en-US" smtClean="0"/>
           </a:p>
           <a:p>
             <a:pPr lvl="4"/>
@@ -1610,7 +1601,6 @@
           <a:p>
             <a:fld id="{4920F49F-8F9B-4762-AC4F-1E92EFA01A8B}" type="datetimeFigureOut">
               <a:rPr lang="en-US" smtClean="0"/>
-              <a:t>9/5/2022</a:t>
             </a:fld>
             <a:endParaRPr lang="en-US"/>
           </a:p>
@@ -1652,18 +1642,12 @@
           <a:p>
             <a:fld id="{FF9B1E66-E887-4831-99CC-9696A9A370B1}" type="slidenum">
               <a:rPr lang="en-US" smtClean="0"/>
-              <a:t>‹#›</a:t>
             </a:fld>
             <a:endParaRPr lang="en-US"/>
           </a:p>
         </p:txBody>
       </p:sp>
     </p:spTree>
-    <p:extLst>
-      <p:ext uri="{BB962C8B-B14F-4D97-AF65-F5344CB8AC3E}">
-        <p14:creationId xmlns:p14="http://schemas.microsoft.com/office/powerpoint/2010/main" val="3930510768"/>
-      </p:ext>
-    </p:extLst>
   </p:cSld>
   <p:clrMapOvr>
     <a:masterClrMapping/>
@@ -1728,7 +1712,6 @@
           <a:p>
             <a:fld id="{4920F49F-8F9B-4762-AC4F-1E92EFA01A8B}" type="datetimeFigureOut">
               <a:rPr lang="en-US" smtClean="0"/>
-              <a:t>9/5/2022</a:t>
             </a:fld>
             <a:endParaRPr lang="en-US"/>
           </a:p>
@@ -1770,18 +1753,12 @@
           <a:p>
             <a:fld id="{FF9B1E66-E887-4831-99CC-9696A9A370B1}" type="slidenum">
               <a:rPr lang="en-US" smtClean="0"/>
-              <a:t>‹#›</a:t>
             </a:fld>
             <a:endParaRPr lang="en-US"/>
           </a:p>
         </p:txBody>
       </p:sp>
     </p:spTree>
-    <p:extLst>
-      <p:ext uri="{BB962C8B-B14F-4D97-AF65-F5344CB8AC3E}">
-        <p14:creationId xmlns:p14="http://schemas.microsoft.com/office/powerpoint/2010/main" val="1398076094"/>
-      </p:ext>
-    </p:extLst>
   </p:cSld>
   <p:clrMapOvr>
     <a:masterClrMapping/>
@@ -1823,7 +1800,6 @@
           <a:p>
             <a:fld id="{4920F49F-8F9B-4762-AC4F-1E92EFA01A8B}" type="datetimeFigureOut">
               <a:rPr lang="en-US" smtClean="0"/>
-              <a:t>9/5/2022</a:t>
             </a:fld>
             <a:endParaRPr lang="en-US"/>
           </a:p>
@@ -1865,18 +1841,12 @@
           <a:p>
             <a:fld id="{FF9B1E66-E887-4831-99CC-9696A9A370B1}" type="slidenum">
               <a:rPr lang="en-US" smtClean="0"/>
-              <a:t>‹#›</a:t>
             </a:fld>
             <a:endParaRPr lang="en-US"/>
           </a:p>
         </p:txBody>
       </p:sp>
     </p:spTree>
-    <p:extLst>
-      <p:ext uri="{BB962C8B-B14F-4D97-AF65-F5344CB8AC3E}">
-        <p14:creationId xmlns:p14="http://schemas.microsoft.com/office/powerpoint/2010/main" val="574945721"/>
-      </p:ext>
-    </p:extLst>
   </p:cSld>
   <p:clrMapOvr>
     <a:masterClrMapping/>
@@ -1986,6 +1956,7 @@
               <a:rPr lang="en-US" smtClean="0"/>
               <a:t>Click to edit Master text styles</a:t>
             </a:r>
+            <a:endParaRPr lang="en-US" smtClean="0"/>
           </a:p>
           <a:p>
             <a:pPr lvl="1"/>
@@ -1993,6 +1964,7 @@
               <a:rPr lang="en-US" smtClean="0"/>
               <a:t>Second level</a:t>
             </a:r>
+            <a:endParaRPr lang="en-US" smtClean="0"/>
           </a:p>
           <a:p>
             <a:pPr lvl="2"/>
@@ -2000,6 +1972,7 @@
               <a:rPr lang="en-US" smtClean="0"/>
               <a:t>Third level</a:t>
             </a:r>
+            <a:endParaRPr lang="en-US" smtClean="0"/>
           </a:p>
           <a:p>
             <a:pPr lvl="3"/>
@@ -2007,6 +1980,7 @@
               <a:rPr lang="en-US" smtClean="0"/>
               <a:t>Fourth level</a:t>
             </a:r>
+            <a:endParaRPr lang="en-US" smtClean="0"/>
           </a:p>
           <a:p>
             <a:pPr lvl="4"/>
@@ -2080,6 +2054,7 @@
               <a:rPr lang="en-US" smtClean="0"/>
               <a:t>Click to edit Master text styles</a:t>
             </a:r>
+            <a:endParaRPr lang="en-US" smtClean="0"/>
           </a:p>
         </p:txBody>
       </p:sp>
@@ -2100,7 +2075,6 @@
           <a:p>
             <a:fld id="{4920F49F-8F9B-4762-AC4F-1E92EFA01A8B}" type="datetimeFigureOut">
               <a:rPr lang="en-US" smtClean="0"/>
-              <a:t>9/5/2022</a:t>
             </a:fld>
             <a:endParaRPr lang="en-US"/>
           </a:p>
@@ -2142,18 +2116,12 @@
           <a:p>
             <a:fld id="{FF9B1E66-E887-4831-99CC-9696A9A370B1}" type="slidenum">
               <a:rPr lang="en-US" smtClean="0"/>
-              <a:t>‹#›</a:t>
             </a:fld>
             <a:endParaRPr lang="en-US"/>
           </a:p>
         </p:txBody>
       </p:sp>
     </p:spTree>
-    <p:extLst>
-      <p:ext uri="{BB962C8B-B14F-4D97-AF65-F5344CB8AC3E}">
-        <p14:creationId xmlns:p14="http://schemas.microsoft.com/office/powerpoint/2010/main" val="3866719531"/>
-      </p:ext>
-    </p:extLst>
   </p:cSld>
   <p:clrMapOvr>
     <a:masterClrMapping/>
@@ -2333,6 +2301,7 @@
               <a:rPr lang="en-US" smtClean="0"/>
               <a:t>Click to edit Master text styles</a:t>
             </a:r>
+            <a:endParaRPr lang="en-US" smtClean="0"/>
           </a:p>
         </p:txBody>
       </p:sp>
@@ -2353,7 +2322,6 @@
           <a:p>
             <a:fld id="{4920F49F-8F9B-4762-AC4F-1E92EFA01A8B}" type="datetimeFigureOut">
               <a:rPr lang="en-US" smtClean="0"/>
-              <a:t>9/5/2022</a:t>
             </a:fld>
             <a:endParaRPr lang="en-US"/>
           </a:p>
@@ -2395,18 +2363,12 @@
           <a:p>
             <a:fld id="{FF9B1E66-E887-4831-99CC-9696A9A370B1}" type="slidenum">
               <a:rPr lang="en-US" smtClean="0"/>
-              <a:t>‹#›</a:t>
             </a:fld>
             <a:endParaRPr lang="en-US"/>
           </a:p>
         </p:txBody>
       </p:sp>
     </p:spTree>
-    <p:extLst>
-      <p:ext uri="{BB962C8B-B14F-4D97-AF65-F5344CB8AC3E}">
-        <p14:creationId xmlns:p14="http://schemas.microsoft.com/office/powerpoint/2010/main" val="1472262768"/>
-      </p:ext>
-    </p:extLst>
   </p:cSld>
   <p:clrMapOvr>
     <a:masterClrMapping/>
@@ -2499,6 +2461,7 @@
               <a:rPr lang="en-US" smtClean="0"/>
               <a:t>Click to edit Master text styles</a:t>
             </a:r>
+            <a:endParaRPr lang="en-US" smtClean="0"/>
           </a:p>
           <a:p>
             <a:pPr lvl="1"/>
@@ -2506,6 +2469,7 @@
               <a:rPr lang="en-US" smtClean="0"/>
               <a:t>Second level</a:t>
             </a:r>
+            <a:endParaRPr lang="en-US" smtClean="0"/>
           </a:p>
           <a:p>
             <a:pPr lvl="2"/>
@@ -2513,6 +2477,7 @@
               <a:rPr lang="en-US" smtClean="0"/>
               <a:t>Third level</a:t>
             </a:r>
+            <a:endParaRPr lang="en-US" smtClean="0"/>
           </a:p>
           <a:p>
             <a:pPr lvl="3"/>
@@ -2520,6 +2485,7 @@
               <a:rPr lang="en-US" smtClean="0"/>
               <a:t>Fourth level</a:t>
             </a:r>
+            <a:endParaRPr lang="en-US" smtClean="0"/>
           </a:p>
           <a:p>
             <a:pPr lvl="4"/>
@@ -2566,7 +2532,6 @@
           <a:p>
             <a:fld id="{4920F49F-8F9B-4762-AC4F-1E92EFA01A8B}" type="datetimeFigureOut">
               <a:rPr lang="en-US" smtClean="0"/>
-              <a:t>9/5/2022</a:t>
             </a:fld>
             <a:endParaRPr lang="en-US"/>
           </a:p>
@@ -2644,18 +2609,12 @@
           <a:p>
             <a:fld id="{FF9B1E66-E887-4831-99CC-9696A9A370B1}" type="slidenum">
               <a:rPr lang="en-US" smtClean="0"/>
-              <a:t>‹#›</a:t>
             </a:fld>
             <a:endParaRPr lang="en-US"/>
           </a:p>
         </p:txBody>
       </p:sp>
     </p:spTree>
-    <p:extLst>
-      <p:ext uri="{BB962C8B-B14F-4D97-AF65-F5344CB8AC3E}">
-        <p14:creationId xmlns:p14="http://schemas.microsoft.com/office/powerpoint/2010/main" val="4189305833"/>
-      </p:ext>
-    </p:extLst>
   </p:cSld>
   <p:clrMap bg1="lt1" tx1="dk1" bg2="lt2" tx2="dk2" accent1="accent1" accent2="accent2" accent3="accent3" accent4="accent4" accent5="accent5" accent6="accent6" hlink="hlink" folHlink="folHlink"/>
   <p:sldLayoutIdLst>
@@ -2699,7 +2658,7 @@
         <a:spcBef>
           <a:spcPts val="1000"/>
         </a:spcBef>
-        <a:buFont typeface="Arial" panose="020B0604020202020204" pitchFamily="34" charset="0"/>
+        <a:buFont typeface="Arial" panose="020B0604020202090204" pitchFamily="34" charset="0"/>
         <a:buChar char="•"/>
         <a:defRPr sz="2800" kern="1200">
           <a:solidFill>
@@ -2717,7 +2676,7 @@
         <a:spcBef>
           <a:spcPts val="500"/>
         </a:spcBef>
-        <a:buFont typeface="Arial" panose="020B0604020202020204" pitchFamily="34" charset="0"/>
+        <a:buFont typeface="Arial" panose="020B0604020202090204" pitchFamily="34" charset="0"/>
         <a:buChar char="•"/>
         <a:defRPr sz="2400" kern="1200">
           <a:solidFill>
@@ -2735,7 +2694,7 @@
         <a:spcBef>
           <a:spcPts val="500"/>
         </a:spcBef>
-        <a:buFont typeface="Arial" panose="020B0604020202020204" pitchFamily="34" charset="0"/>
+        <a:buFont typeface="Arial" panose="020B0604020202090204" pitchFamily="34" charset="0"/>
         <a:buChar char="•"/>
         <a:defRPr sz="2000" kern="1200">
           <a:solidFill>
@@ -2753,7 +2712,7 @@
         <a:spcBef>
           <a:spcPts val="500"/>
         </a:spcBef>
-        <a:buFont typeface="Arial" panose="020B0604020202020204" pitchFamily="34" charset="0"/>
+        <a:buFont typeface="Arial" panose="020B0604020202090204" pitchFamily="34" charset="0"/>
         <a:buChar char="•"/>
         <a:defRPr sz="1800" kern="1200">
           <a:solidFill>
@@ -2771,7 +2730,7 @@
         <a:spcBef>
           <a:spcPts val="500"/>
         </a:spcBef>
-        <a:buFont typeface="Arial" panose="020B0604020202020204" pitchFamily="34" charset="0"/>
+        <a:buFont typeface="Arial" panose="020B0604020202090204" pitchFamily="34" charset="0"/>
         <a:buChar char="•"/>
         <a:defRPr sz="1800" kern="1200">
           <a:solidFill>
@@ -2789,7 +2748,7 @@
         <a:spcBef>
           <a:spcPts val="500"/>
         </a:spcBef>
-        <a:buFont typeface="Arial" panose="020B0604020202020204" pitchFamily="34" charset="0"/>
+        <a:buFont typeface="Arial" panose="020B0604020202090204" pitchFamily="34" charset="0"/>
         <a:buChar char="•"/>
         <a:defRPr sz="1800" kern="1200">
           <a:solidFill>
@@ -2807,7 +2766,7 @@
         <a:spcBef>
           <a:spcPts val="500"/>
         </a:spcBef>
-        <a:buFont typeface="Arial" panose="020B0604020202020204" pitchFamily="34" charset="0"/>
+        <a:buFont typeface="Arial" panose="020B0604020202090204" pitchFamily="34" charset="0"/>
         <a:buChar char="•"/>
         <a:defRPr sz="1800" kern="1200">
           <a:solidFill>
@@ -2825,7 +2784,7 @@
         <a:spcBef>
           <a:spcPts val="500"/>
         </a:spcBef>
-        <a:buFont typeface="Arial" panose="020B0604020202020204" pitchFamily="34" charset="0"/>
+        <a:buFont typeface="Arial" panose="020B0604020202090204" pitchFamily="34" charset="0"/>
         <a:buChar char="•"/>
         <a:defRPr sz="1800" kern="1200">
           <a:solidFill>
@@ -2843,7 +2802,7 @@
         <a:spcBef>
           <a:spcPts val="500"/>
         </a:spcBef>
-        <a:buFont typeface="Arial" panose="020B0604020202020204" pitchFamily="34" charset="0"/>
+        <a:buFont typeface="Arial" panose="020B0604020202090204" pitchFamily="34" charset="0"/>
         <a:buChar char="•"/>
         <a:defRPr sz="1800" kern="1200">
           <a:solidFill>
@@ -2955,6 +2914,741 @@
 </file>
 
 <file path=ppt/slides/slide1.xml><?xml version="1.0" encoding="utf-8"?>
+<p:sld xmlns:a="http://schemas.openxmlformats.org/drawingml/2006/main" xmlns:r="http://schemas.openxmlformats.org/officeDocument/2006/relationships" xmlns:p="http://schemas.openxmlformats.org/presentationml/2006/main">
+  <p:cSld>
+    <p:spTree>
+      <p:nvGrpSpPr>
+        <p:cNvPr id="1" name=""/>
+        <p:cNvGrpSpPr/>
+        <p:nvPr/>
+      </p:nvGrpSpPr>
+      <p:grpSpPr/>
+      <p:grpSp>
+        <p:nvGrpSpPr>
+          <p:cNvPr id="10" name="Group 9"/>
+          <p:cNvGrpSpPr/>
+          <p:nvPr/>
+        </p:nvGrpSpPr>
+        <p:grpSpPr>
+          <a:xfrm>
+            <a:off x="1564005" y="1809115"/>
+            <a:ext cx="5459730" cy="2098886"/>
+            <a:chOff x="218661" y="878280"/>
+            <a:chExt cx="5459826" cy="2066759"/>
+          </a:xfrm>
+        </p:grpSpPr>
+        <p:sp>
+          <p:nvSpPr>
+            <p:cNvPr id="11" name="TextBox 10"/>
+            <p:cNvSpPr txBox="1"/>
+            <p:nvPr/>
+          </p:nvSpPr>
+          <p:spPr>
+            <a:xfrm>
+              <a:off x="218661" y="878280"/>
+              <a:ext cx="5459826" cy="574632"/>
+            </a:xfrm>
+            <a:prstGeom prst="rect">
+              <a:avLst/>
+            </a:prstGeom>
+            <a:noFill/>
+          </p:spPr>
+          <p:txBody>
+            <a:bodyPr wrap="square" rtlCol="0">
+              <a:spAutoFit/>
+            </a:bodyPr>
+            <a:p>
+              <a:r>
+                <a:rPr lang="en-US" sz="3200" b="1" dirty="0" smtClean="0">
+                  <a:solidFill>
+                    <a:srgbClr val="0070C0"/>
+                  </a:solidFill>
+                  <a:latin typeface="Roboto" panose="02000000000000000000" pitchFamily="2" charset="0"/>
+                  <a:ea typeface="Roboto" panose="02000000000000000000" pitchFamily="2" charset="0"/>
+                  <a:cs typeface="Roboto" panose="02000000000000000000" pitchFamily="2" charset="0"/>
+                </a:rPr>
+                <a:t>Competitive Programming</a:t>
+              </a:r>
+              <a:r>
+                <a:rPr lang="en-US" sz="2800" b="1" dirty="0" smtClean="0">
+                  <a:solidFill>
+                    <a:srgbClr val="0070C0"/>
+                  </a:solidFill>
+                  <a:latin typeface="Roboto" panose="02000000000000000000" pitchFamily="2" charset="0"/>
+                  <a:ea typeface="Roboto" panose="02000000000000000000" pitchFamily="2" charset="0"/>
+                  <a:cs typeface="Roboto" panose="02000000000000000000" pitchFamily="2" charset="0"/>
+                </a:rPr>
+                <a:t> </a:t>
+              </a:r>
+              <a:endParaRPr lang="en-US" sz="2800" b="1" dirty="0" smtClean="0">
+                <a:solidFill>
+                  <a:srgbClr val="0070C0"/>
+                </a:solidFill>
+                <a:latin typeface="Roboto" panose="02000000000000000000" pitchFamily="2" charset="0"/>
+                <a:ea typeface="Roboto" panose="02000000000000000000" pitchFamily="2" charset="0"/>
+                <a:cs typeface="Roboto" panose="02000000000000000000" pitchFamily="2" charset="0"/>
+              </a:endParaRPr>
+            </a:p>
+          </p:txBody>
+        </p:sp>
+        <p:sp>
+          <p:nvSpPr>
+            <p:cNvPr id="12" name="TextBox 11"/>
+            <p:cNvSpPr txBox="1"/>
+            <p:nvPr/>
+          </p:nvSpPr>
+          <p:spPr>
+            <a:xfrm>
+              <a:off x="218661" y="1339945"/>
+              <a:ext cx="5097870" cy="1605094"/>
+            </a:xfrm>
+            <a:prstGeom prst="rect">
+              <a:avLst/>
+            </a:prstGeom>
+            <a:noFill/>
+          </p:spPr>
+          <p:txBody>
+            <a:bodyPr wrap="square" rtlCol="0">
+              <a:spAutoFit/>
+            </a:bodyPr>
+            <a:p>
+              <a:r>
+                <a:rPr lang="en-US" altLang="fr-FR" sz="3200" b="1" dirty="0" smtClean="0">
+                  <a:latin typeface="Roboto Bold" panose="02000000000000000000" charset="0"/>
+                  <a:ea typeface="Roboto" panose="02000000000000000000" pitchFamily="2" charset="0"/>
+                  <a:cs typeface="Roboto Bold" panose="02000000000000000000" charset="0"/>
+                </a:rPr>
+                <a:t>VS</a:t>
+              </a:r>
+              <a:endParaRPr lang="en-US" altLang="fr-FR" sz="3200" b="1" dirty="0" smtClean="0">
+                <a:latin typeface="Roboto Bold" panose="02000000000000000000" charset="0"/>
+                <a:ea typeface="Roboto" panose="02000000000000000000" pitchFamily="2" charset="0"/>
+                <a:cs typeface="Roboto Bold" panose="02000000000000000000" charset="0"/>
+              </a:endParaRPr>
+            </a:p>
+            <a:p>
+              <a:r>
+                <a:rPr lang="en-US" sz="3200" b="1" dirty="0" smtClean="0">
+                  <a:solidFill>
+                    <a:srgbClr val="0070C0"/>
+                  </a:solidFill>
+                  <a:latin typeface="Roboto" panose="02000000000000000000" pitchFamily="2" charset="0"/>
+                  <a:ea typeface="Roboto" panose="02000000000000000000" pitchFamily="2" charset="0"/>
+                  <a:cs typeface="Roboto" panose="02000000000000000000" pitchFamily="2" charset="0"/>
+                  <a:sym typeface="+mn-ea"/>
+                </a:rPr>
+                <a:t>Software Development</a:t>
+              </a:r>
+              <a:r>
+                <a:rPr lang="en-US" b="1" dirty="0" smtClean="0">
+                  <a:solidFill>
+                    <a:srgbClr val="0070C0"/>
+                  </a:solidFill>
+                  <a:latin typeface="Roboto" panose="02000000000000000000" pitchFamily="2" charset="0"/>
+                  <a:ea typeface="Roboto" panose="02000000000000000000" pitchFamily="2" charset="0"/>
+                  <a:cs typeface="Roboto" panose="02000000000000000000" pitchFamily="2" charset="0"/>
+                  <a:sym typeface="+mn-ea"/>
+                </a:rPr>
+                <a:t> </a:t>
+              </a:r>
+              <a:endParaRPr lang="en-US" b="1" dirty="0">
+                <a:solidFill>
+                  <a:srgbClr val="0070C0"/>
+                </a:solidFill>
+                <a:latin typeface="Roboto" panose="02000000000000000000" pitchFamily="2" charset="0"/>
+                <a:ea typeface="Roboto" panose="02000000000000000000" pitchFamily="2" charset="0"/>
+                <a:cs typeface="Roboto" panose="02000000000000000000" pitchFamily="2" charset="0"/>
+              </a:endParaRPr>
+            </a:p>
+            <a:p>
+              <a:endParaRPr lang="en-US" altLang="fr-FR" dirty="0" smtClean="0">
+                <a:latin typeface="Roboto" panose="02000000000000000000" pitchFamily="2" charset="0"/>
+                <a:ea typeface="Roboto" panose="02000000000000000000" pitchFamily="2" charset="0"/>
+                <a:cs typeface="Roboto" panose="02000000000000000000" pitchFamily="2" charset="0"/>
+              </a:endParaRPr>
+            </a:p>
+            <a:p>
+              <a:endParaRPr lang="en-US" altLang="fr-FR" dirty="0" smtClean="0">
+                <a:latin typeface="Roboto" panose="02000000000000000000" pitchFamily="2" charset="0"/>
+                <a:ea typeface="Roboto" panose="02000000000000000000" pitchFamily="2" charset="0"/>
+                <a:cs typeface="Roboto" panose="02000000000000000000" pitchFamily="2" charset="0"/>
+              </a:endParaRPr>
+            </a:p>
+          </p:txBody>
+        </p:sp>
+      </p:grpSp>
+    </p:spTree>
+  </p:cSld>
+  <p:clrMapOvr>
+    <a:masterClrMapping/>
+  </p:clrMapOvr>
+  <p:timing>
+    <p:tnLst>
+      <p:par>
+        <p:cTn id="1" dur="indefinite" restart="never" nodeType="tmRoot">
+          <p:childTnLst>
+            <p:seq concurrent="1" nextAc="seek">
+              <p:cTn id="2" dur="indefinite" nodeType="mainSeq">
+                <p:childTnLst>
+                  <p:par>
+                    <p:cTn id="3" fill="hold">
+                      <p:stCondLst>
+                        <p:cond delay="indefinite"/>
+                      </p:stCondLst>
+                      <p:childTnLst>
+                        <p:par>
+                          <p:cTn id="4" fill="hold">
+                            <p:stCondLst>
+                              <p:cond delay="0"/>
+                            </p:stCondLst>
+                            <p:childTnLst>
+                              <p:par>
+                                <p:cTn id="5" presetID="42" presetClass="entr" presetSubtype="0" fill="hold" nodeType="clickEffect">
+                                  <p:stCondLst>
+                                    <p:cond delay="0"/>
+                                  </p:stCondLst>
+                                  <p:childTnLst>
+                                    <p:set>
+                                      <p:cBhvr>
+                                        <p:cTn id="6" dur="1" fill="hold">
+                                          <p:stCondLst>
+                                            <p:cond delay="0"/>
+                                          </p:stCondLst>
+                                        </p:cTn>
+                                        <p:tgtEl>
+                                          <p:spTgt spid="10"/>
+                                        </p:tgtEl>
+                                        <p:attrNameLst>
+                                          <p:attrName>style.visibility</p:attrName>
+                                        </p:attrNameLst>
+                                      </p:cBhvr>
+                                      <p:to>
+                                        <p:strVal val="visible"/>
+                                      </p:to>
+                                    </p:set>
+                                    <p:animEffect transition="in" filter="fade">
+                                      <p:cBhvr>
+                                        <p:cTn id="7" dur="1000"/>
+                                        <p:tgtEl>
+                                          <p:spTgt spid="10"/>
+                                        </p:tgtEl>
+                                      </p:cBhvr>
+                                    </p:animEffect>
+                                    <p:anim calcmode="lin" valueType="num">
+                                      <p:cBhvr>
+                                        <p:cTn id="8" dur="1000" fill="hold"/>
+                                        <p:tgtEl>
+                                          <p:spTgt spid="10"/>
+                                        </p:tgtEl>
+                                        <p:attrNameLst>
+                                          <p:attrName>ppt_x</p:attrName>
+                                        </p:attrNameLst>
+                                      </p:cBhvr>
+                                      <p:tavLst>
+                                        <p:tav tm="0">
+                                          <p:val>
+                                            <p:strVal val="#ppt_x"/>
+                                          </p:val>
+                                        </p:tav>
+                                        <p:tav tm="100000">
+                                          <p:val>
+                                            <p:strVal val="#ppt_x"/>
+                                          </p:val>
+                                        </p:tav>
+                                      </p:tavLst>
+                                    </p:anim>
+                                    <p:anim calcmode="lin" valueType="num">
+                                      <p:cBhvr>
+                                        <p:cTn id="9" dur="1000" fill="hold"/>
+                                        <p:tgtEl>
+                                          <p:spTgt spid="10"/>
+                                        </p:tgtEl>
+                                        <p:attrNameLst>
+                                          <p:attrName>ppt_y</p:attrName>
+                                        </p:attrNameLst>
+                                      </p:cBhvr>
+                                      <p:tavLst>
+                                        <p:tav tm="0">
+                                          <p:val>
+                                            <p:strVal val="#ppt_y+.1"/>
+                                          </p:val>
+                                        </p:tav>
+                                        <p:tav tm="100000">
+                                          <p:val>
+                                            <p:strVal val="#ppt_y"/>
+                                          </p:val>
+                                        </p:tav>
+                                      </p:tavLst>
+                                    </p:anim>
+                                  </p:childTnLst>
+                                </p:cTn>
+                              </p:par>
+                            </p:childTnLst>
+                          </p:cTn>
+                        </p:par>
+                      </p:childTnLst>
+                    </p:cTn>
+                  </p:par>
+                </p:childTnLst>
+              </p:cTn>
+              <p:prevCondLst>
+                <p:cond evt="onPrev" delay="0">
+                  <p:tgtEl>
+                    <p:sldTgt/>
+                  </p:tgtEl>
+                </p:cond>
+              </p:prevCondLst>
+              <p:nextCondLst>
+                <p:cond evt="onNext" delay="0">
+                  <p:tgtEl>
+                    <p:sldTgt/>
+                  </p:tgtEl>
+                </p:cond>
+              </p:nextCondLst>
+            </p:seq>
+          </p:childTnLst>
+        </p:cTn>
+      </p:par>
+    </p:tnLst>
+  </p:timing>
+</p:sld>
+</file>
+
+<file path=ppt/slides/slide10.xml><?xml version="1.0" encoding="utf-8"?>
+<p:sld xmlns:a="http://schemas.openxmlformats.org/drawingml/2006/main" xmlns:r="http://schemas.openxmlformats.org/officeDocument/2006/relationships" xmlns:p="http://schemas.openxmlformats.org/presentationml/2006/main">
+  <p:cSld>
+    <p:spTree>
+      <p:nvGrpSpPr>
+        <p:cNvPr id="1" name=""/>
+        <p:cNvGrpSpPr/>
+        <p:nvPr/>
+      </p:nvGrpSpPr>
+      <p:grpSpPr>
+        <a:xfrm>
+          <a:off x="0" y="0"/>
+          <a:ext cx="0" cy="0"/>
+          <a:chOff x="0" y="0"/>
+          <a:chExt cx="0" cy="0"/>
+        </a:xfrm>
+      </p:grpSpPr>
+      <p:sp>
+        <p:nvSpPr>
+          <p:cNvPr id="7" name="Rectangle 6"/>
+          <p:cNvSpPr/>
+          <p:nvPr/>
+        </p:nvSpPr>
+        <p:spPr>
+          <a:xfrm>
+            <a:off x="0" y="0"/>
+            <a:ext cx="12192000" cy="702365"/>
+          </a:xfrm>
+          <a:prstGeom prst="rect">
+            <a:avLst/>
+          </a:prstGeom>
+          <a:ln>
+            <a:noFill/>
+          </a:ln>
+        </p:spPr>
+        <p:style>
+          <a:lnRef idx="2">
+            <a:schemeClr val="accent2">
+              <a:shade val="50000"/>
+            </a:schemeClr>
+          </a:lnRef>
+          <a:fillRef idx="1">
+            <a:schemeClr val="accent2"/>
+          </a:fillRef>
+          <a:effectRef idx="0">
+            <a:schemeClr val="accent2"/>
+          </a:effectRef>
+          <a:fontRef idx="minor">
+            <a:schemeClr val="lt1"/>
+          </a:fontRef>
+        </p:style>
+        <p:txBody>
+          <a:bodyPr rtlCol="0" anchor="ctr"/>
+          <a:lstStyle/>
+          <a:p>
+            <a:pPr algn="ctr"/>
+            <a:endParaRPr lang="en-US">
+              <a:latin typeface="Roboto" panose="02000000000000000000" pitchFamily="2" charset="0"/>
+              <a:ea typeface="Roboto" panose="02000000000000000000" pitchFamily="2" charset="0"/>
+              <a:cs typeface="Roboto" panose="02000000000000000000" pitchFamily="2" charset="0"/>
+            </a:endParaRPr>
+          </a:p>
+        </p:txBody>
+      </p:sp>
+      <p:sp>
+        <p:nvSpPr>
+          <p:cNvPr id="8" name="TextBox 7"/>
+          <p:cNvSpPr txBox="1"/>
+          <p:nvPr/>
+        </p:nvSpPr>
+        <p:spPr>
+          <a:xfrm>
+            <a:off x="311425" y="120349"/>
+            <a:ext cx="2710180" cy="460375"/>
+          </a:xfrm>
+          <a:prstGeom prst="rect">
+            <a:avLst/>
+          </a:prstGeom>
+          <a:noFill/>
+        </p:spPr>
+        <p:txBody>
+          <a:bodyPr wrap="none" rtlCol="0">
+            <a:spAutoFit/>
+          </a:bodyPr>
+          <a:lstStyle/>
+          <a:p>
+            <a:r>
+              <a:rPr lang="en-US" sz="2400" b="1" dirty="0">
+                <a:solidFill>
+                  <a:schemeClr val="bg1"/>
+                </a:solidFill>
+                <a:latin typeface="Roboto" panose="02000000000000000000" pitchFamily="2" charset="0"/>
+                <a:ea typeface="Roboto" panose="02000000000000000000" pitchFamily="2" charset="0"/>
+                <a:cs typeface="Roboto" panose="02000000000000000000" pitchFamily="2" charset="0"/>
+              </a:rPr>
+              <a:t>What in the future </a:t>
+            </a:r>
+            <a:endParaRPr lang="en-US" sz="2400" b="1" dirty="0">
+              <a:solidFill>
+                <a:schemeClr val="bg1"/>
+              </a:solidFill>
+              <a:latin typeface="Roboto" panose="02000000000000000000" pitchFamily="2" charset="0"/>
+              <a:ea typeface="Roboto" panose="02000000000000000000" pitchFamily="2" charset="0"/>
+              <a:cs typeface="Roboto" panose="02000000000000000000" pitchFamily="2" charset="0"/>
+            </a:endParaRPr>
+          </a:p>
+        </p:txBody>
+      </p:sp>
+      <p:grpSp>
+        <p:nvGrpSpPr>
+          <p:cNvPr id="4" name="Group 3"/>
+          <p:cNvGrpSpPr/>
+          <p:nvPr/>
+        </p:nvGrpSpPr>
+        <p:grpSpPr>
+          <a:xfrm>
+            <a:off x="6474996" y="1853681"/>
+            <a:ext cx="3160643" cy="3160643"/>
+            <a:chOff x="5507587" y="1654899"/>
+            <a:chExt cx="3160643" cy="3160643"/>
+          </a:xfrm>
+          <a:solidFill>
+            <a:srgbClr val="00B0F0"/>
+          </a:solidFill>
+        </p:grpSpPr>
+        <p:sp>
+          <p:nvSpPr>
+            <p:cNvPr id="20" name="Oval 19"/>
+            <p:cNvSpPr/>
+            <p:nvPr/>
+          </p:nvSpPr>
+          <p:spPr>
+            <a:xfrm>
+              <a:off x="5507587" y="1654899"/>
+              <a:ext cx="3160643" cy="3160643"/>
+            </a:xfrm>
+            <a:prstGeom prst="ellipse">
+              <a:avLst/>
+            </a:prstGeom>
+            <a:grpFill/>
+            <a:ln>
+              <a:noFill/>
+            </a:ln>
+          </p:spPr>
+          <p:style>
+            <a:lnRef idx="2">
+              <a:schemeClr val="accent6">
+                <a:shade val="50000"/>
+              </a:schemeClr>
+            </a:lnRef>
+            <a:fillRef idx="1">
+              <a:schemeClr val="accent6"/>
+            </a:fillRef>
+            <a:effectRef idx="0">
+              <a:schemeClr val="accent6"/>
+            </a:effectRef>
+            <a:fontRef idx="minor">
+              <a:schemeClr val="lt1"/>
+            </a:fontRef>
+          </p:style>
+          <p:txBody>
+            <a:bodyPr rtlCol="0" anchor="ctr"/>
+            <a:lstStyle/>
+            <a:p>
+              <a:pPr algn="ctr"/>
+              <a:endParaRPr lang="en-US">
+                <a:latin typeface="Roboto" panose="02000000000000000000" pitchFamily="2" charset="0"/>
+                <a:ea typeface="Roboto" panose="02000000000000000000" pitchFamily="2" charset="0"/>
+                <a:cs typeface="Roboto" panose="02000000000000000000" pitchFamily="2" charset="0"/>
+              </a:endParaRPr>
+            </a:p>
+          </p:txBody>
+        </p:sp>
+        <p:grpSp>
+          <p:nvGrpSpPr>
+            <p:cNvPr id="10" name="Group 9"/>
+            <p:cNvGrpSpPr/>
+            <p:nvPr/>
+          </p:nvGrpSpPr>
+          <p:grpSpPr>
+            <a:xfrm>
+              <a:off x="6096000" y="2692330"/>
+              <a:ext cx="2183002" cy="1390145"/>
+              <a:chOff x="218661" y="319132"/>
+              <a:chExt cx="2183002" cy="1390145"/>
+            </a:xfrm>
+            <a:grpFill/>
+          </p:grpSpPr>
+          <p:sp>
+            <p:nvSpPr>
+              <p:cNvPr id="12" name="TextBox 11"/>
+              <p:cNvSpPr txBox="1"/>
+              <p:nvPr/>
+            </p:nvSpPr>
+            <p:spPr>
+              <a:xfrm>
+                <a:off x="311026" y="319132"/>
+                <a:ext cx="2090637" cy="830997"/>
+              </a:xfrm>
+              <a:prstGeom prst="rect">
+                <a:avLst/>
+              </a:prstGeom>
+              <a:grpFill/>
+            </p:spPr>
+            <p:txBody>
+              <a:bodyPr wrap="none" rtlCol="0">
+                <a:spAutoFit/>
+              </a:bodyPr>
+              <a:lstStyle/>
+              <a:p>
+                <a:pPr algn="ctr"/>
+                <a:r>
+                  <a:rPr lang="en-US" sz="2400" b="1" dirty="0" smtClean="0">
+                    <a:solidFill>
+                      <a:schemeClr val="bg1"/>
+                    </a:solidFill>
+                    <a:latin typeface="Roboto" panose="02000000000000000000" pitchFamily="2" charset="0"/>
+                    <a:ea typeface="Roboto" panose="02000000000000000000" pitchFamily="2" charset="0"/>
+                    <a:cs typeface="Roboto" panose="02000000000000000000" pitchFamily="2" charset="0"/>
+                  </a:rPr>
+                  <a:t>Software </a:t>
+                </a:r>
+                <a:endParaRPr lang="en-US" sz="2400" b="1" dirty="0" smtClean="0">
+                  <a:solidFill>
+                    <a:schemeClr val="bg1"/>
+                  </a:solidFill>
+                  <a:latin typeface="Roboto" panose="02000000000000000000" pitchFamily="2" charset="0"/>
+                  <a:ea typeface="Roboto" panose="02000000000000000000" pitchFamily="2" charset="0"/>
+                  <a:cs typeface="Roboto" panose="02000000000000000000" pitchFamily="2" charset="0"/>
+                </a:endParaRPr>
+              </a:p>
+              <a:p>
+                <a:r>
+                  <a:rPr lang="en-US" sz="2400" b="1" dirty="0" smtClean="0">
+                    <a:solidFill>
+                      <a:schemeClr val="bg1"/>
+                    </a:solidFill>
+                    <a:latin typeface="Roboto" panose="02000000000000000000" pitchFamily="2" charset="0"/>
+                    <a:ea typeface="Roboto" panose="02000000000000000000" pitchFamily="2" charset="0"/>
+                    <a:cs typeface="Roboto" panose="02000000000000000000" pitchFamily="2" charset="0"/>
+                  </a:rPr>
+                  <a:t>Development </a:t>
+                </a:r>
+                <a:endParaRPr lang="en-US" sz="2400" b="1" dirty="0">
+                  <a:solidFill>
+                    <a:schemeClr val="bg1"/>
+                  </a:solidFill>
+                  <a:latin typeface="Roboto" panose="02000000000000000000" pitchFamily="2" charset="0"/>
+                  <a:ea typeface="Roboto" panose="02000000000000000000" pitchFamily="2" charset="0"/>
+                  <a:cs typeface="Roboto" panose="02000000000000000000" pitchFamily="2" charset="0"/>
+                </a:endParaRPr>
+              </a:p>
+            </p:txBody>
+          </p:sp>
+          <p:sp>
+            <p:nvSpPr>
+              <p:cNvPr id="16" name="TextBox 15"/>
+              <p:cNvSpPr txBox="1"/>
+              <p:nvPr/>
+            </p:nvSpPr>
+            <p:spPr>
+              <a:xfrm>
+                <a:off x="218661" y="1339945"/>
+                <a:ext cx="184731" cy="369332"/>
+              </a:xfrm>
+              <a:prstGeom prst="rect">
+                <a:avLst/>
+              </a:prstGeom>
+              <a:grpFill/>
+            </p:spPr>
+            <p:txBody>
+              <a:bodyPr wrap="none" rtlCol="0">
+                <a:spAutoFit/>
+              </a:bodyPr>
+              <a:lstStyle/>
+              <a:p>
+                <a:endParaRPr lang="en-US" dirty="0">
+                  <a:latin typeface="Roboto" panose="02000000000000000000" pitchFamily="2" charset="0"/>
+                  <a:ea typeface="Roboto" panose="02000000000000000000" pitchFamily="2" charset="0"/>
+                  <a:cs typeface="Roboto" panose="02000000000000000000" pitchFamily="2" charset="0"/>
+                </a:endParaRPr>
+              </a:p>
+            </p:txBody>
+          </p:sp>
+        </p:grpSp>
+      </p:grpSp>
+      <p:grpSp>
+        <p:nvGrpSpPr>
+          <p:cNvPr id="3" name="Group 2"/>
+          <p:cNvGrpSpPr/>
+          <p:nvPr/>
+        </p:nvGrpSpPr>
+        <p:grpSpPr>
+          <a:xfrm>
+            <a:off x="2157457" y="1853681"/>
+            <a:ext cx="3160643" cy="3160643"/>
+            <a:chOff x="2157457" y="2005862"/>
+            <a:chExt cx="3160643" cy="3160643"/>
+          </a:xfrm>
+          <a:solidFill>
+            <a:srgbClr val="00B0F0"/>
+          </a:solidFill>
+        </p:grpSpPr>
+        <p:sp>
+          <p:nvSpPr>
+            <p:cNvPr id="2" name="Oval 1"/>
+            <p:cNvSpPr/>
+            <p:nvPr/>
+          </p:nvSpPr>
+          <p:spPr>
+            <a:xfrm>
+              <a:off x="2157457" y="2005862"/>
+              <a:ext cx="3160643" cy="3160643"/>
+            </a:xfrm>
+            <a:prstGeom prst="ellipse">
+              <a:avLst/>
+            </a:prstGeom>
+            <a:grpFill/>
+            <a:ln>
+              <a:noFill/>
+            </a:ln>
+          </p:spPr>
+          <p:style>
+            <a:lnRef idx="2">
+              <a:schemeClr val="accent6">
+                <a:shade val="50000"/>
+              </a:schemeClr>
+            </a:lnRef>
+            <a:fillRef idx="1">
+              <a:schemeClr val="accent6"/>
+            </a:fillRef>
+            <a:effectRef idx="0">
+              <a:schemeClr val="accent6"/>
+            </a:effectRef>
+            <a:fontRef idx="minor">
+              <a:schemeClr val="lt1"/>
+            </a:fontRef>
+          </p:style>
+          <p:txBody>
+            <a:bodyPr rtlCol="0" anchor="ctr"/>
+            <a:lstStyle/>
+            <a:p>
+              <a:pPr algn="ctr"/>
+              <a:endParaRPr lang="en-US">
+                <a:latin typeface="Roboto" panose="02000000000000000000" pitchFamily="2" charset="0"/>
+                <a:ea typeface="Roboto" panose="02000000000000000000" pitchFamily="2" charset="0"/>
+                <a:cs typeface="Roboto" panose="02000000000000000000" pitchFamily="2" charset="0"/>
+              </a:endParaRPr>
+            </a:p>
+          </p:txBody>
+        </p:sp>
+        <p:sp>
+          <p:nvSpPr>
+            <p:cNvPr id="18" name="TextBox 17"/>
+            <p:cNvSpPr txBox="1"/>
+            <p:nvPr/>
+          </p:nvSpPr>
+          <p:spPr>
+            <a:xfrm>
+              <a:off x="2655592" y="3018503"/>
+              <a:ext cx="2164375" cy="830997"/>
+            </a:xfrm>
+            <a:prstGeom prst="rect">
+              <a:avLst/>
+            </a:prstGeom>
+            <a:grpFill/>
+          </p:spPr>
+          <p:txBody>
+            <a:bodyPr wrap="none" rtlCol="0">
+              <a:spAutoFit/>
+            </a:bodyPr>
+            <a:lstStyle/>
+            <a:p>
+              <a:pPr algn="ctr"/>
+              <a:r>
+                <a:rPr lang="en-US" sz="2400" b="1" dirty="0" smtClean="0">
+                  <a:solidFill>
+                    <a:schemeClr val="bg1"/>
+                  </a:solidFill>
+                  <a:latin typeface="Roboto" panose="02000000000000000000" pitchFamily="2" charset="0"/>
+                  <a:ea typeface="Roboto" panose="02000000000000000000" pitchFamily="2" charset="0"/>
+                  <a:cs typeface="Roboto" panose="02000000000000000000" pitchFamily="2" charset="0"/>
+                </a:rPr>
+                <a:t>Competitive </a:t>
+              </a:r>
+              <a:endParaRPr lang="en-US" sz="2400" b="1" dirty="0" smtClean="0">
+                <a:solidFill>
+                  <a:schemeClr val="bg1"/>
+                </a:solidFill>
+                <a:latin typeface="Roboto" panose="02000000000000000000" pitchFamily="2" charset="0"/>
+                <a:ea typeface="Roboto" panose="02000000000000000000" pitchFamily="2" charset="0"/>
+                <a:cs typeface="Roboto" panose="02000000000000000000" pitchFamily="2" charset="0"/>
+              </a:endParaRPr>
+            </a:p>
+            <a:p>
+              <a:pPr algn="ctr"/>
+              <a:r>
+                <a:rPr lang="en-US" sz="2400" b="1" dirty="0" smtClean="0">
+                  <a:solidFill>
+                    <a:schemeClr val="bg1"/>
+                  </a:solidFill>
+                  <a:latin typeface="Roboto" panose="02000000000000000000" pitchFamily="2" charset="0"/>
+                  <a:ea typeface="Roboto" panose="02000000000000000000" pitchFamily="2" charset="0"/>
+                  <a:cs typeface="Roboto" panose="02000000000000000000" pitchFamily="2" charset="0"/>
+                </a:rPr>
+                <a:t>Programming </a:t>
+              </a:r>
+              <a:endParaRPr lang="en-US" sz="2400" b="1" dirty="0">
+                <a:solidFill>
+                  <a:schemeClr val="bg1"/>
+                </a:solidFill>
+                <a:latin typeface="Roboto" panose="02000000000000000000" pitchFamily="2" charset="0"/>
+                <a:ea typeface="Roboto" panose="02000000000000000000" pitchFamily="2" charset="0"/>
+                <a:cs typeface="Roboto" panose="02000000000000000000" pitchFamily="2" charset="0"/>
+              </a:endParaRPr>
+            </a:p>
+          </p:txBody>
+        </p:sp>
+      </p:grpSp>
+    </p:spTree>
+  </p:cSld>
+  <p:clrMapOvr>
+    <a:masterClrMapping/>
+  </p:clrMapOvr>
+  <p:timing>
+    <p:tnLst>
+      <p:par>
+        <p:cTn id="1" dur="indefinite" restart="never" nodeType="tmRoot"/>
+      </p:par>
+    </p:tnLst>
+  </p:timing>
+</p:sld>
+</file>
+
+<file path=ppt/slides/slide2.xml><?xml version="1.0" encoding="utf-8"?>
 <p:sld xmlns:a="http://schemas.openxmlformats.org/drawingml/2006/main" xmlns:r="http://schemas.openxmlformats.org/officeDocument/2006/relationships" xmlns:p="http://schemas.openxmlformats.org/presentationml/2006/main">
   <p:cSld>
     <p:spTree>
@@ -3167,10 +3861,10 @@
         </p:nvGrpSpPr>
         <p:grpSpPr>
           <a:xfrm>
-            <a:off x="371061" y="1030680"/>
-            <a:ext cx="5097870" cy="830997"/>
+            <a:off x="370840" y="1017905"/>
+            <a:ext cx="5097780" cy="837141"/>
             <a:chOff x="218661" y="878280"/>
-            <a:chExt cx="5097870" cy="830997"/>
+            <a:chExt cx="5097870" cy="824327"/>
           </a:xfrm>
         </p:grpSpPr>
         <p:sp>
@@ -3182,7 +3876,7 @@
           <p:spPr>
             <a:xfrm>
               <a:off x="218661" y="878280"/>
-              <a:ext cx="3918060" cy="461665"/>
+              <a:ext cx="3918060" cy="453328"/>
             </a:xfrm>
             <a:prstGeom prst="rect">
               <a:avLst/>
@@ -3190,7 +3884,7 @@
             <a:noFill/>
           </p:spPr>
           <p:txBody>
-            <a:bodyPr wrap="none" rtlCol="0">
+            <a:bodyPr wrap="square" rtlCol="0">
               <a:spAutoFit/>
             </a:bodyPr>
             <a:lstStyle/>
@@ -3226,7 +3920,7 @@
           <p:spPr>
             <a:xfrm>
               <a:off x="218661" y="1339945"/>
-              <a:ext cx="5097870" cy="369332"/>
+              <a:ext cx="5097870" cy="362662"/>
             </a:xfrm>
             <a:prstGeom prst="rect">
               <a:avLst/>
@@ -3234,7 +3928,7 @@
             <a:noFill/>
           </p:spPr>
           <p:txBody>
-            <a:bodyPr wrap="none" rtlCol="0">
+            <a:bodyPr wrap="square" rtlCol="0">
               <a:spAutoFit/>
             </a:bodyPr>
             <a:lstStyle/>
@@ -3257,11 +3951,6 @@
         </p:sp>
       </p:grpSp>
     </p:spTree>
-    <p:extLst>
-      <p:ext uri="{BB962C8B-B14F-4D97-AF65-F5344CB8AC3E}">
-        <p14:creationId xmlns:p14="http://schemas.microsoft.com/office/powerpoint/2010/main" val="4038123718"/>
-      </p:ext>
-    </p:extLst>
   </p:cSld>
   <p:clrMapOvr>
     <a:masterClrMapping/>
@@ -3497,7 +4186,7 @@
 </p:sld>
 </file>
 
-<file path=ppt/slides/slide2.xml><?xml version="1.0" encoding="utf-8"?>
+<file path=ppt/slides/slide3.xml><?xml version="1.0" encoding="utf-8"?>
 <p:sld xmlns:a="http://schemas.openxmlformats.org/drawingml/2006/main" xmlns:r="http://schemas.openxmlformats.org/officeDocument/2006/relationships" xmlns:p="http://schemas.openxmlformats.org/presentationml/2006/main">
   <p:cSld>
     <p:spTree>
@@ -3734,7 +4423,7 @@
                 <a:lnSpc>
                   <a:spcPct val="150000"/>
                 </a:lnSpc>
-                <a:buFont typeface="Arial" panose="020B0604020202020204" pitchFamily="34" charset="0"/>
+                <a:buFont typeface="Arial" panose="020B0604020202090204" pitchFamily="34" charset="0"/>
                 <a:buChar char="•"/>
               </a:pPr>
               <a:r>
@@ -3772,7 +4461,7 @@
                 <a:lnSpc>
                   <a:spcPct val="150000"/>
                 </a:lnSpc>
-                <a:buFont typeface="Arial" panose="020B0604020202020204" pitchFamily="34" charset="0"/>
+                <a:buFont typeface="Arial" panose="020B0604020202090204" pitchFamily="34" charset="0"/>
                 <a:buChar char="•"/>
               </a:pPr>
               <a:r>
@@ -3799,13 +4488,18 @@
                 </a:rPr>
                 <a:t> </a:t>
               </a:r>
+              <a:endParaRPr lang="fr-FR" sz="1600" dirty="0" smtClean="0">
+                <a:latin typeface="Roboto" panose="02000000000000000000" pitchFamily="2" charset="0"/>
+                <a:ea typeface="Roboto" panose="02000000000000000000" pitchFamily="2" charset="0"/>
+                <a:cs typeface="Roboto" panose="02000000000000000000" pitchFamily="2" charset="0"/>
+              </a:endParaRPr>
             </a:p>
             <a:p>
               <a:pPr marL="285750" indent="-285750">
                 <a:lnSpc>
                   <a:spcPct val="150000"/>
                 </a:lnSpc>
-                <a:buFont typeface="Arial" panose="020B0604020202020204" pitchFamily="34" charset="0"/>
+                <a:buFont typeface="Arial" panose="020B0604020202090204" pitchFamily="34" charset="0"/>
                 <a:buChar char="•"/>
               </a:pPr>
               <a:r>
@@ -3816,13 +4510,18 @@
                 </a:rPr>
                 <a:t>Complex thinking-analysis</a:t>
               </a:r>
+              <a:endParaRPr lang="en-US" sz="1600" dirty="0" smtClean="0">
+                <a:latin typeface="Roboto" panose="02000000000000000000" pitchFamily="2" charset="0"/>
+                <a:ea typeface="Roboto" panose="02000000000000000000" pitchFamily="2" charset="0"/>
+                <a:cs typeface="Roboto" panose="02000000000000000000" pitchFamily="2" charset="0"/>
+              </a:endParaRPr>
             </a:p>
             <a:p>
               <a:pPr marL="285750" indent="-285750">
                 <a:lnSpc>
                   <a:spcPct val="150000"/>
                 </a:lnSpc>
-                <a:buFont typeface="Arial" panose="020B0604020202020204" pitchFamily="34" charset="0"/>
+                <a:buFont typeface="Arial" panose="020B0604020202090204" pitchFamily="34" charset="0"/>
                 <a:buChar char="•"/>
               </a:pPr>
               <a:r>
@@ -3833,13 +4532,18 @@
                 </a:rPr>
                 <a:t>Academic consistency </a:t>
               </a:r>
+              <a:endParaRPr lang="en-US" sz="1600" dirty="0" smtClean="0">
+                <a:latin typeface="Roboto" panose="02000000000000000000" pitchFamily="2" charset="0"/>
+                <a:ea typeface="Roboto" panose="02000000000000000000" pitchFamily="2" charset="0"/>
+                <a:cs typeface="Roboto" panose="02000000000000000000" pitchFamily="2" charset="0"/>
+              </a:endParaRPr>
             </a:p>
             <a:p>
               <a:pPr marL="285750" indent="-285750">
                 <a:lnSpc>
                   <a:spcPct val="150000"/>
                 </a:lnSpc>
-                <a:buFont typeface="Arial" panose="020B0604020202020204" pitchFamily="34" charset="0"/>
+                <a:buFont typeface="Arial" panose="020B0604020202090204" pitchFamily="34" charset="0"/>
                 <a:buChar char="•"/>
               </a:pPr>
               <a:r>
@@ -3866,13 +4570,18 @@
                 </a:rPr>
                 <a:t>ode writing practice</a:t>
               </a:r>
+              <a:endParaRPr lang="en-US" sz="1600" dirty="0" smtClean="0">
+                <a:latin typeface="Roboto" panose="02000000000000000000" pitchFamily="2" charset="0"/>
+                <a:ea typeface="Roboto" panose="02000000000000000000" pitchFamily="2" charset="0"/>
+                <a:cs typeface="Roboto" panose="02000000000000000000" pitchFamily="2" charset="0"/>
+              </a:endParaRPr>
             </a:p>
             <a:p>
               <a:pPr marL="285750" indent="-285750">
                 <a:lnSpc>
                   <a:spcPct val="150000"/>
                 </a:lnSpc>
-                <a:buFont typeface="Arial" panose="020B0604020202020204" pitchFamily="34" charset="0"/>
+                <a:buFont typeface="Arial" panose="020B0604020202090204" pitchFamily="34" charset="0"/>
                 <a:buChar char="•"/>
               </a:pPr>
               <a:r>
@@ -3883,6 +4592,11 @@
                 </a:rPr>
                 <a:t>Complex logic building  </a:t>
               </a:r>
+              <a:endParaRPr lang="en-US" sz="1600" dirty="0" smtClean="0">
+                <a:latin typeface="Roboto" panose="02000000000000000000" pitchFamily="2" charset="0"/>
+                <a:ea typeface="Roboto" panose="02000000000000000000" pitchFamily="2" charset="0"/>
+                <a:cs typeface="Roboto" panose="02000000000000000000" pitchFamily="2" charset="0"/>
+              </a:endParaRPr>
             </a:p>
             <a:p>
               <a:endParaRPr lang="en-US" dirty="0">
@@ -3952,6 +4666,14 @@
                 </a:rPr>
                 <a:t>t</a:t>
               </a:r>
+              <a:endParaRPr lang="en-US" sz="2400" b="1" dirty="0">
+                <a:solidFill>
+                  <a:srgbClr val="0070C0"/>
+                </a:solidFill>
+                <a:latin typeface="Roboto" panose="02000000000000000000" pitchFamily="2" charset="0"/>
+                <a:ea typeface="Roboto" panose="02000000000000000000" pitchFamily="2" charset="0"/>
+                <a:cs typeface="Roboto" panose="02000000000000000000" pitchFamily="2" charset="0"/>
+              </a:endParaRPr>
             </a:p>
           </p:txBody>
         </p:sp>
@@ -3981,7 +4703,7 @@
                 <a:lnSpc>
                   <a:spcPct val="150000"/>
                 </a:lnSpc>
-                <a:buFont typeface="Arial" panose="020B0604020202020204" pitchFamily="34" charset="0"/>
+                <a:buFont typeface="Arial" panose="020B0604020202090204" pitchFamily="34" charset="0"/>
                 <a:buChar char="•"/>
               </a:pPr>
               <a:r>
@@ -4019,7 +4741,7 @@
                 <a:lnSpc>
                   <a:spcPct val="150000"/>
                 </a:lnSpc>
-                <a:buFont typeface="Arial" panose="020B0604020202020204" pitchFamily="34" charset="0"/>
+                <a:buFont typeface="Arial" panose="020B0604020202090204" pitchFamily="34" charset="0"/>
                 <a:buChar char="•"/>
               </a:pPr>
               <a:r>
@@ -4030,13 +4752,18 @@
                 </a:rPr>
                 <a:t>Framework, Libraires, SDKS</a:t>
               </a:r>
+              <a:endParaRPr lang="fr-FR" sz="1600" dirty="0" smtClean="0">
+                <a:latin typeface="Roboto" panose="02000000000000000000" pitchFamily="2" charset="0"/>
+                <a:ea typeface="Roboto" panose="02000000000000000000" pitchFamily="2" charset="0"/>
+                <a:cs typeface="Roboto" panose="02000000000000000000" pitchFamily="2" charset="0"/>
+              </a:endParaRPr>
             </a:p>
             <a:p>
               <a:pPr marL="285750" indent="-285750">
                 <a:lnSpc>
                   <a:spcPct val="150000"/>
                 </a:lnSpc>
-                <a:buFont typeface="Arial" panose="020B0604020202020204" pitchFamily="34" charset="0"/>
+                <a:buFont typeface="Arial" panose="020B0604020202090204" pitchFamily="34" charset="0"/>
                 <a:buChar char="•"/>
               </a:pPr>
               <a:r>
@@ -4058,7 +4785,7 @@
                 <a:lnSpc>
                   <a:spcPct val="150000"/>
                 </a:lnSpc>
-                <a:buFont typeface="Arial" panose="020B0604020202020204" pitchFamily="34" charset="0"/>
+                <a:buFont typeface="Arial" panose="020B0604020202090204" pitchFamily="34" charset="0"/>
                 <a:buChar char="•"/>
               </a:pPr>
               <a:r>
@@ -4085,13 +4812,18 @@
                 </a:rPr>
                 <a:t>, management, distribution</a:t>
               </a:r>
+              <a:endParaRPr lang="fr-FR" sz="1600" dirty="0" smtClean="0">
+                <a:latin typeface="Roboto" panose="02000000000000000000" pitchFamily="2" charset="0"/>
+                <a:ea typeface="Roboto" panose="02000000000000000000" pitchFamily="2" charset="0"/>
+                <a:cs typeface="Roboto" panose="02000000000000000000" pitchFamily="2" charset="0"/>
+              </a:endParaRPr>
             </a:p>
             <a:p>
               <a:pPr marL="285750" indent="-285750">
                 <a:lnSpc>
                   <a:spcPct val="150000"/>
                 </a:lnSpc>
-                <a:buFont typeface="Arial" panose="020B0604020202020204" pitchFamily="34" charset="0"/>
+                <a:buFont typeface="Arial" panose="020B0604020202090204" pitchFamily="34" charset="0"/>
                 <a:buChar char="•"/>
               </a:pPr>
               <a:r>
@@ -4118,13 +4850,18 @@
                 </a:rPr>
                 <a:t>,</a:t>
               </a:r>
+              <a:endParaRPr lang="fr-FR" sz="1600" dirty="0" smtClean="0">
+                <a:latin typeface="Roboto" panose="02000000000000000000" pitchFamily="2" charset="0"/>
+                <a:ea typeface="Roboto" panose="02000000000000000000" pitchFamily="2" charset="0"/>
+                <a:cs typeface="Roboto" panose="02000000000000000000" pitchFamily="2" charset="0"/>
+              </a:endParaRPr>
             </a:p>
             <a:p>
               <a:pPr marL="285750" indent="-285750">
                 <a:lnSpc>
                   <a:spcPct val="150000"/>
                 </a:lnSpc>
-                <a:buFont typeface="Arial" panose="020B0604020202020204" pitchFamily="34" charset="0"/>
+                <a:buFont typeface="Arial" panose="020B0604020202090204" pitchFamily="34" charset="0"/>
                 <a:buChar char="•"/>
               </a:pPr>
               <a:r>
@@ -4141,23 +4878,20 @@
                   <a:ea typeface="Roboto" panose="02000000000000000000" pitchFamily="2" charset="0"/>
                   <a:cs typeface="Roboto" panose="02000000000000000000" pitchFamily="2" charset="0"/>
                 </a:rPr>
-                <a:t>/service </a:t>
+                <a:t>/service automation</a:t>
               </a:r>
-              <a:r>
-                <a:rPr lang="fr-FR" sz="1600" dirty="0" smtClean="0">
-                  <a:latin typeface="Roboto" panose="02000000000000000000" pitchFamily="2" charset="0"/>
-                  <a:ea typeface="Roboto" panose="02000000000000000000" pitchFamily="2" charset="0"/>
-                  <a:cs typeface="Roboto" panose="02000000000000000000" pitchFamily="2" charset="0"/>
-                </a:rPr>
-                <a:t>automation</a:t>
-              </a:r>
+              <a:endParaRPr lang="fr-FR" sz="1600" dirty="0" smtClean="0">
+                <a:latin typeface="Roboto" panose="02000000000000000000" pitchFamily="2" charset="0"/>
+                <a:ea typeface="Roboto" panose="02000000000000000000" pitchFamily="2" charset="0"/>
+                <a:cs typeface="Roboto" panose="02000000000000000000" pitchFamily="2" charset="0"/>
+              </a:endParaRPr>
             </a:p>
             <a:p>
               <a:pPr marL="285750" indent="-285750">
                 <a:lnSpc>
                   <a:spcPct val="150000"/>
                 </a:lnSpc>
-                <a:buFont typeface="Arial" panose="020B0604020202020204" pitchFamily="34" charset="0"/>
+                <a:buFont typeface="Arial" panose="020B0604020202090204" pitchFamily="34" charset="0"/>
                 <a:buChar char="•"/>
               </a:pPr>
               <a:r>
@@ -4168,13 +4902,18 @@
                 </a:rPr>
                 <a:t>Team management </a:t>
               </a:r>
+              <a:endParaRPr lang="fr-FR" sz="1600" dirty="0" smtClean="0">
+                <a:latin typeface="Roboto" panose="02000000000000000000" pitchFamily="2" charset="0"/>
+                <a:ea typeface="Roboto" panose="02000000000000000000" pitchFamily="2" charset="0"/>
+                <a:cs typeface="Roboto" panose="02000000000000000000" pitchFamily="2" charset="0"/>
+              </a:endParaRPr>
             </a:p>
             <a:p>
               <a:pPr marL="285750" indent="-285750">
                 <a:lnSpc>
                   <a:spcPct val="150000"/>
                 </a:lnSpc>
-                <a:buFont typeface="Arial" panose="020B0604020202020204" pitchFamily="34" charset="0"/>
+                <a:buFont typeface="Arial" panose="020B0604020202090204" pitchFamily="34" charset="0"/>
                 <a:buChar char="•"/>
               </a:pPr>
               <a:r>
@@ -4217,6 +4956,11 @@
                 </a:rPr>
                 <a:t>.  </a:t>
               </a:r>
+              <a:endParaRPr lang="fr-FR" sz="1600" dirty="0" smtClean="0">
+                <a:latin typeface="Roboto" panose="02000000000000000000" pitchFamily="2" charset="0"/>
+                <a:ea typeface="Roboto" panose="02000000000000000000" pitchFamily="2" charset="0"/>
+                <a:cs typeface="Roboto" panose="02000000000000000000" pitchFamily="2" charset="0"/>
+              </a:endParaRPr>
             </a:p>
           </p:txBody>
         </p:sp>
@@ -4267,11 +5011,6 @@
         </p:txBody>
       </p:sp>
     </p:spTree>
-    <p:extLst>
-      <p:ext uri="{BB962C8B-B14F-4D97-AF65-F5344CB8AC3E}">
-        <p14:creationId xmlns:p14="http://schemas.microsoft.com/office/powerpoint/2010/main" val="2169622066"/>
-      </p:ext>
-    </p:extLst>
   </p:cSld>
   <p:clrMapOvr>
     <a:masterClrMapping/>
@@ -4507,7 +5246,7 @@
 </p:sld>
 </file>
 
-<file path=ppt/slides/slide3.xml><?xml version="1.0" encoding="utf-8"?>
+<file path=ppt/slides/slide4.xml><?xml version="1.0" encoding="utf-8"?>
 <p:sld xmlns:a="http://schemas.openxmlformats.org/drawingml/2006/main" xmlns:r="http://schemas.openxmlformats.org/officeDocument/2006/relationships" xmlns:p="http://schemas.openxmlformats.org/presentationml/2006/main">
   <p:cSld>
     <p:spTree>
@@ -4620,7 +5359,7 @@
           <p:nvPr/>
         </p:nvPicPr>
         <p:blipFill>
-          <a:blip r:embed="rId2">
+          <a:blip r:embed="rId1">
             <a:extLst>
               <a:ext uri="{28A0092B-C50C-407E-A947-70E740481C1C}">
                 <a14:useLocalDpi xmlns:a14="http://schemas.microsoft.com/office/drawing/2010/main" val="0"/>
@@ -4642,11 +5381,6 @@
         </p:spPr>
       </p:pic>
     </p:spTree>
-    <p:extLst>
-      <p:ext uri="{BB962C8B-B14F-4D97-AF65-F5344CB8AC3E}">
-        <p14:creationId xmlns:p14="http://schemas.microsoft.com/office/powerpoint/2010/main" val="4292226305"/>
-      </p:ext>
-    </p:extLst>
   </p:cSld>
   <p:clrMapOvr>
     <a:masterClrMapping/>
@@ -4783,7 +5517,7 @@
 </p:sld>
 </file>
 
-<file path=ppt/slides/slide4.xml><?xml version="1.0" encoding="utf-8"?>
+<file path=ppt/slides/slide5.xml><?xml version="1.0" encoding="utf-8"?>
 <p:sld xmlns:a="http://schemas.openxmlformats.org/drawingml/2006/main" xmlns:r="http://schemas.openxmlformats.org/officeDocument/2006/relationships" xmlns:p="http://schemas.openxmlformats.org/presentationml/2006/main">
   <p:cSld>
     <p:spTree>
@@ -4931,7 +5665,7 @@
                 <a:lnSpc>
                   <a:spcPct val="150000"/>
                 </a:lnSpc>
-                <a:buFont typeface="Arial" panose="020B0604020202020204" pitchFamily="34" charset="0"/>
+                <a:buFont typeface="Arial" panose="020B0604020202090204" pitchFamily="34" charset="0"/>
                 <a:buChar char="•"/>
               </a:pPr>
               <a:r>
@@ -4974,13 +5708,18 @@
                 </a:rPr>
                 <a:t> background</a:t>
               </a:r>
+              <a:endParaRPr lang="fr-FR" sz="1600" dirty="0" smtClean="0">
+                <a:latin typeface="Roboto" panose="02000000000000000000" pitchFamily="2" charset="0"/>
+                <a:ea typeface="Roboto" panose="02000000000000000000" pitchFamily="2" charset="0"/>
+                <a:cs typeface="Roboto" panose="02000000000000000000" pitchFamily="2" charset="0"/>
+              </a:endParaRPr>
             </a:p>
             <a:p>
               <a:pPr marL="285750" indent="-285750">
                 <a:lnSpc>
                   <a:spcPct val="150000"/>
                 </a:lnSpc>
-                <a:buFont typeface="Arial" panose="020B0604020202020204" pitchFamily="34" charset="0"/>
+                <a:buFont typeface="Arial" panose="020B0604020202090204" pitchFamily="34" charset="0"/>
                 <a:buChar char="•"/>
               </a:pPr>
               <a:r>
@@ -4991,13 +5730,18 @@
                 </a:rPr>
                 <a:t>Coding methodology, tool, library, or framework they need to work with. </a:t>
               </a:r>
+              <a:endParaRPr lang="en-US" sz="1600" dirty="0" smtClean="0">
+                <a:latin typeface="Roboto" panose="02000000000000000000" pitchFamily="2" charset="0"/>
+                <a:ea typeface="Roboto" panose="02000000000000000000" pitchFamily="2" charset="0"/>
+                <a:cs typeface="Roboto" panose="02000000000000000000" pitchFamily="2" charset="0"/>
+              </a:endParaRPr>
             </a:p>
             <a:p>
               <a:pPr marL="285750" indent="-285750">
                 <a:lnSpc>
                   <a:spcPct val="150000"/>
                 </a:lnSpc>
-                <a:buFont typeface="Arial" panose="020B0604020202020204" pitchFamily="34" charset="0"/>
+                <a:buFont typeface="Arial" panose="020B0604020202090204" pitchFamily="34" charset="0"/>
                 <a:buChar char="•"/>
               </a:pPr>
               <a:r>
@@ -5027,7 +5771,7 @@
                 <a:lnSpc>
                   <a:spcPct val="150000"/>
                 </a:lnSpc>
-                <a:buFont typeface="Arial" panose="020B0604020202020204" pitchFamily="34" charset="0"/>
+                <a:buFont typeface="Arial" panose="020B0604020202090204" pitchFamily="34" charset="0"/>
                 <a:buChar char="•"/>
               </a:pPr>
               <a:r>
@@ -5038,10 +5782,15 @@
                 </a:rPr>
                 <a:t>They care about their product, business, expansion</a:t>
               </a:r>
+              <a:endParaRPr lang="en-US" sz="1600" dirty="0" smtClean="0">
+                <a:latin typeface="Roboto" panose="02000000000000000000" pitchFamily="2" charset="0"/>
+                <a:ea typeface="Roboto" panose="02000000000000000000" pitchFamily="2" charset="0"/>
+                <a:cs typeface="Roboto" panose="02000000000000000000" pitchFamily="2" charset="0"/>
+              </a:endParaRPr>
             </a:p>
             <a:p>
               <a:pPr marL="285750" indent="-285750">
-                <a:buFont typeface="Arial" panose="020B0604020202020204" pitchFamily="34" charset="0"/>
+                <a:buFont typeface="Arial" panose="020B0604020202090204" pitchFamily="34" charset="0"/>
                 <a:buChar char="•"/>
               </a:pPr>
               <a:endParaRPr lang="en-US" sz="1600" dirty="0">
@@ -5137,7 +5886,7 @@
                 <a:lnSpc>
                   <a:spcPct val="150000"/>
                 </a:lnSpc>
-                <a:buFont typeface="Arial" panose="020B0604020202020204" pitchFamily="34" charset="0"/>
+                <a:buFont typeface="Arial" panose="020B0604020202090204" pitchFamily="34" charset="0"/>
                 <a:buChar char="•"/>
               </a:pPr>
               <a:r>
@@ -5148,13 +5897,18 @@
                 </a:rPr>
                 <a:t>The have complex solutions , billions of user’s around the world </a:t>
               </a:r>
+              <a:endParaRPr lang="en-US" sz="1600" dirty="0" smtClean="0">
+                <a:latin typeface="Roboto" panose="02000000000000000000" pitchFamily="2" charset="0"/>
+                <a:ea typeface="Roboto" panose="02000000000000000000" pitchFamily="2" charset="0"/>
+                <a:cs typeface="Roboto" panose="02000000000000000000" pitchFamily="2" charset="0"/>
+              </a:endParaRPr>
             </a:p>
             <a:p>
               <a:pPr marL="285750" indent="-285750">
                 <a:lnSpc>
                   <a:spcPct val="150000"/>
                 </a:lnSpc>
-                <a:buFont typeface="Arial" panose="020B0604020202020204" pitchFamily="34" charset="0"/>
+                <a:buFont typeface="Arial" panose="020B0604020202090204" pitchFamily="34" charset="0"/>
                 <a:buChar char="•"/>
               </a:pPr>
               <a:r>
@@ -5165,13 +5919,18 @@
                 </a:rPr>
                 <a:t>The search for complex thinker </a:t>
               </a:r>
+              <a:endParaRPr lang="en-US" sz="1600" dirty="0" smtClean="0">
+                <a:latin typeface="Roboto" panose="02000000000000000000" pitchFamily="2" charset="0"/>
+                <a:ea typeface="Roboto" panose="02000000000000000000" pitchFamily="2" charset="0"/>
+                <a:cs typeface="Roboto" panose="02000000000000000000" pitchFamily="2" charset="0"/>
+              </a:endParaRPr>
             </a:p>
             <a:p>
               <a:pPr marL="285750" indent="-285750">
                 <a:lnSpc>
                   <a:spcPct val="150000"/>
                 </a:lnSpc>
-                <a:buFont typeface="Arial" panose="020B0604020202020204" pitchFamily="34" charset="0"/>
+                <a:buFont typeface="Arial" panose="020B0604020202090204" pitchFamily="34" charset="0"/>
                 <a:buChar char="•"/>
               </a:pPr>
               <a:r>
@@ -5182,13 +5941,18 @@
                 </a:rPr>
                 <a:t>They need some competitive programmers</a:t>
               </a:r>
+              <a:endParaRPr lang="en-US" sz="1600" dirty="0" smtClean="0">
+                <a:latin typeface="Roboto" panose="02000000000000000000" pitchFamily="2" charset="0"/>
+                <a:ea typeface="Roboto" panose="02000000000000000000" pitchFamily="2" charset="0"/>
+                <a:cs typeface="Roboto" panose="02000000000000000000" pitchFamily="2" charset="0"/>
+              </a:endParaRPr>
             </a:p>
             <a:p>
               <a:pPr marL="285750" indent="-285750">
                 <a:lnSpc>
                   <a:spcPct val="150000"/>
                 </a:lnSpc>
-                <a:buFont typeface="Arial" panose="020B0604020202020204" pitchFamily="34" charset="0"/>
+                <a:buFont typeface="Arial" panose="020B0604020202090204" pitchFamily="34" charset="0"/>
                 <a:buChar char="•"/>
               </a:pPr>
               <a:r>
@@ -5199,10 +5963,15 @@
                 </a:rPr>
                 <a:t>They also needs efficient software developer too </a:t>
               </a:r>
+              <a:endParaRPr lang="en-US" sz="1600" dirty="0" smtClean="0">
+                <a:latin typeface="Roboto" panose="02000000000000000000" pitchFamily="2" charset="0"/>
+                <a:ea typeface="Roboto" panose="02000000000000000000" pitchFamily="2" charset="0"/>
+                <a:cs typeface="Roboto" panose="02000000000000000000" pitchFamily="2" charset="0"/>
+              </a:endParaRPr>
             </a:p>
             <a:p>
               <a:pPr marL="285750" indent="-285750">
-                <a:buFont typeface="Arial" panose="020B0604020202020204" pitchFamily="34" charset="0"/>
+                <a:buFont typeface="Arial" panose="020B0604020202090204" pitchFamily="34" charset="0"/>
                 <a:buChar char="•"/>
               </a:pPr>
               <a:endParaRPr lang="en-US" sz="1600" dirty="0">
@@ -5259,11 +6028,6 @@
         </p:sp>
       </p:grpSp>
     </p:spTree>
-    <p:extLst>
-      <p:ext uri="{BB962C8B-B14F-4D97-AF65-F5344CB8AC3E}">
-        <p14:creationId xmlns:p14="http://schemas.microsoft.com/office/powerpoint/2010/main" val="3350878263"/>
-      </p:ext>
-    </p:extLst>
   </p:cSld>
   <p:clrMapOvr>
     <a:masterClrMapping/>
@@ -5499,7 +6263,7 @@
 </p:sld>
 </file>
 
-<file path=ppt/slides/slide5.xml><?xml version="1.0" encoding="utf-8"?>
+<file path=ppt/slides/slide6.xml><?xml version="1.0" encoding="utf-8"?>
 <p:sld xmlns:a="http://schemas.openxmlformats.org/drawingml/2006/main" xmlns:r="http://schemas.openxmlformats.org/officeDocument/2006/relationships" xmlns:p="http://schemas.openxmlformats.org/presentationml/2006/main">
   <p:cSld>
     <p:spTree>
@@ -5708,6 +6472,14 @@
                   </a:rPr>
                   <a:t>Software </a:t>
                 </a:r>
+                <a:endParaRPr lang="en-US" sz="2400" b="1" dirty="0" smtClean="0">
+                  <a:solidFill>
+                    <a:schemeClr val="bg1"/>
+                  </a:solidFill>
+                  <a:latin typeface="Roboto" panose="02000000000000000000" pitchFamily="2" charset="0"/>
+                  <a:ea typeface="Roboto" panose="02000000000000000000" pitchFamily="2" charset="0"/>
+                  <a:cs typeface="Roboto" panose="02000000000000000000" pitchFamily="2" charset="0"/>
+                </a:endParaRPr>
               </a:p>
               <a:p>
                 <a:r>
@@ -5855,6 +6627,14 @@
                 </a:rPr>
                 <a:t>Competitive </a:t>
               </a:r>
+              <a:endParaRPr lang="en-US" sz="2400" b="1" dirty="0" smtClean="0">
+                <a:solidFill>
+                  <a:schemeClr val="bg1"/>
+                </a:solidFill>
+                <a:latin typeface="Roboto" panose="02000000000000000000" pitchFamily="2" charset="0"/>
+                <a:ea typeface="Roboto" panose="02000000000000000000" pitchFamily="2" charset="0"/>
+                <a:cs typeface="Roboto" panose="02000000000000000000" pitchFamily="2" charset="0"/>
+              </a:endParaRPr>
             </a:p>
             <a:p>
               <a:pPr algn="ctr"/>
@@ -5882,11 +6662,6 @@
         </p:sp>
       </p:grpSp>
     </p:spTree>
-    <p:extLst>
-      <p:ext uri="{BB962C8B-B14F-4D97-AF65-F5344CB8AC3E}">
-        <p14:creationId xmlns:p14="http://schemas.microsoft.com/office/powerpoint/2010/main" val="3295142687"/>
-      </p:ext>
-    </p:extLst>
   </p:cSld>
   <p:clrMapOvr>
     <a:masterClrMapping/>
@@ -5901,7 +6676,7 @@
 </p:sld>
 </file>
 
-<file path=ppt/slides/slide6.xml><?xml version="1.0" encoding="utf-8"?>
+<file path=ppt/slides/slide7.xml><?xml version="1.0" encoding="utf-8"?>
 <p:sld xmlns:a="http://schemas.openxmlformats.org/drawingml/2006/main" xmlns:r="http://schemas.openxmlformats.org/officeDocument/2006/relationships" xmlns:p="http://schemas.openxmlformats.org/presentationml/2006/main">
   <p:cSld>
     <p:spTree>
@@ -6123,6 +6898,14 @@
                   </a:rPr>
                   <a:t>Software </a:t>
                 </a:r>
+                <a:endParaRPr lang="en-US" sz="2400" b="1" dirty="0" smtClean="0">
+                  <a:solidFill>
+                    <a:schemeClr val="bg1"/>
+                  </a:solidFill>
+                  <a:latin typeface="Roboto" panose="02000000000000000000" pitchFamily="2" charset="0"/>
+                  <a:ea typeface="Roboto" panose="02000000000000000000" pitchFamily="2" charset="0"/>
+                  <a:cs typeface="Roboto" panose="02000000000000000000" pitchFamily="2" charset="0"/>
+                </a:endParaRPr>
               </a:p>
               <a:p>
                 <a:r>
@@ -6277,6 +7060,14 @@
                 </a:rPr>
                 <a:t>Competitive </a:t>
               </a:r>
+              <a:endParaRPr lang="en-US" sz="2400" b="1" dirty="0" smtClean="0">
+                <a:solidFill>
+                  <a:schemeClr val="bg1"/>
+                </a:solidFill>
+                <a:latin typeface="Roboto" panose="02000000000000000000" pitchFamily="2" charset="0"/>
+                <a:ea typeface="Roboto" panose="02000000000000000000" pitchFamily="2" charset="0"/>
+                <a:cs typeface="Roboto" panose="02000000000000000000" pitchFamily="2" charset="0"/>
+              </a:endParaRPr>
             </a:p>
             <a:p>
               <a:pPr algn="ctr"/>
@@ -6304,11 +7095,6 @@
         </p:sp>
       </p:grpSp>
     </p:spTree>
-    <p:extLst>
-      <p:ext uri="{BB962C8B-B14F-4D97-AF65-F5344CB8AC3E}">
-        <p14:creationId xmlns:p14="http://schemas.microsoft.com/office/powerpoint/2010/main" val="599060743"/>
-      </p:ext>
-    </p:extLst>
   </p:cSld>
   <p:clrMapOvr>
     <a:masterClrMapping/>
@@ -6323,7 +7109,7 @@
 </p:sld>
 </file>
 
-<file path=ppt/slides/slide7.xml><?xml version="1.0" encoding="utf-8"?>
+<file path=ppt/slides/slide8.xml><?xml version="1.0" encoding="utf-8"?>
 <p:sld xmlns:a="http://schemas.openxmlformats.org/drawingml/2006/main" xmlns:r="http://schemas.openxmlformats.org/officeDocument/2006/relationships" xmlns:p="http://schemas.openxmlformats.org/presentationml/2006/main">
   <p:cSld>
     <p:spTree>
@@ -6537,6 +7323,14 @@
                   </a:rPr>
                   <a:t>Software </a:t>
                 </a:r>
+                <a:endParaRPr lang="en-US" sz="2400" b="1" dirty="0" smtClean="0">
+                  <a:solidFill>
+                    <a:schemeClr val="bg1"/>
+                  </a:solidFill>
+                  <a:latin typeface="Roboto" panose="02000000000000000000" pitchFamily="2" charset="0"/>
+                  <a:ea typeface="Roboto" panose="02000000000000000000" pitchFamily="2" charset="0"/>
+                  <a:cs typeface="Roboto" panose="02000000000000000000" pitchFamily="2" charset="0"/>
+                </a:endParaRPr>
               </a:p>
               <a:p>
                 <a:r>
@@ -6688,6 +7482,14 @@
                 </a:rPr>
                 <a:t>Competitive </a:t>
               </a:r>
+              <a:endParaRPr lang="en-US" sz="2400" b="1" dirty="0" smtClean="0">
+                <a:solidFill>
+                  <a:schemeClr val="bg1"/>
+                </a:solidFill>
+                <a:latin typeface="Roboto" panose="02000000000000000000" pitchFamily="2" charset="0"/>
+                <a:ea typeface="Roboto" panose="02000000000000000000" pitchFamily="2" charset="0"/>
+                <a:cs typeface="Roboto" panose="02000000000000000000" pitchFamily="2" charset="0"/>
+              </a:endParaRPr>
             </a:p>
             <a:p>
               <a:pPr algn="ctr"/>
@@ -6715,11 +7517,6 @@
         </p:sp>
       </p:grpSp>
     </p:spTree>
-    <p:extLst>
-      <p:ext uri="{BB962C8B-B14F-4D97-AF65-F5344CB8AC3E}">
-        <p14:creationId xmlns:p14="http://schemas.microsoft.com/office/powerpoint/2010/main" val="1270103108"/>
-      </p:ext>
-    </p:extLst>
   </p:cSld>
   <p:clrMapOvr>
     <a:masterClrMapping/>
@@ -6734,7 +7531,7 @@
 </p:sld>
 </file>
 
-<file path=ppt/slides/slide8.xml><?xml version="1.0" encoding="utf-8"?>
+<file path=ppt/slides/slide9.xml><?xml version="1.0" encoding="utf-8"?>
 <p:sld xmlns:a="http://schemas.openxmlformats.org/drawingml/2006/main" xmlns:r="http://schemas.openxmlformats.org/officeDocument/2006/relationships" xmlns:p="http://schemas.openxmlformats.org/presentationml/2006/main">
   <p:cSld>
     <p:spTree>
@@ -6956,6 +7753,14 @@
                   </a:rPr>
                   <a:t>Software </a:t>
                 </a:r>
+                <a:endParaRPr lang="en-US" sz="2400" b="1" dirty="0" smtClean="0">
+                  <a:solidFill>
+                    <a:schemeClr val="bg1"/>
+                  </a:solidFill>
+                  <a:latin typeface="Roboto" panose="02000000000000000000" pitchFamily="2" charset="0"/>
+                  <a:ea typeface="Roboto" panose="02000000000000000000" pitchFamily="2" charset="0"/>
+                  <a:cs typeface="Roboto" panose="02000000000000000000" pitchFamily="2" charset="0"/>
+                </a:endParaRPr>
               </a:p>
               <a:p>
                 <a:r>
@@ -7111,6 +7916,14 @@
                 </a:rPr>
                 <a:t>Competitive </a:t>
               </a:r>
+              <a:endParaRPr lang="en-US" sz="2400" b="1" dirty="0" smtClean="0">
+                <a:solidFill>
+                  <a:schemeClr val="bg1"/>
+                </a:solidFill>
+                <a:latin typeface="Roboto" panose="02000000000000000000" pitchFamily="2" charset="0"/>
+                <a:ea typeface="Roboto" panose="02000000000000000000" pitchFamily="2" charset="0"/>
+                <a:cs typeface="Roboto" panose="02000000000000000000" pitchFamily="2" charset="0"/>
+              </a:endParaRPr>
             </a:p>
             <a:p>
               <a:pPr algn="ctr"/>
@@ -7138,11 +7951,6 @@
         </p:sp>
       </p:grpSp>
     </p:spTree>
-    <p:extLst>
-      <p:ext uri="{BB962C8B-B14F-4D97-AF65-F5344CB8AC3E}">
-        <p14:creationId xmlns:p14="http://schemas.microsoft.com/office/powerpoint/2010/main" val="2794963742"/>
-      </p:ext>
-    </p:extLst>
   </p:cSld>
   <p:clrMapOvr>
     <a:masterClrMapping/>
@@ -7200,7 +8008,7 @@
     </a:clrScheme>
     <a:fontScheme name="Office">
       <a:majorFont>
-        <a:latin typeface="Calibri Light" panose="020F0302020204030204"/>
+        <a:latin typeface="Calibri Light"/>
         <a:ea typeface=""/>
         <a:cs typeface=""/>
         <a:font script="Jpan" typeface="ＭＳ Ｐゴシック"/>
@@ -7235,7 +8043,7 @@
         <a:font script="Geor" typeface="Sylfaen"/>
       </a:majorFont>
       <a:minorFont>
-        <a:latin typeface="Calibri" panose="020F0502020204030204"/>
+        <a:latin typeface="Calibri"/>
         <a:ea typeface=""/>
         <a:cs typeface=""/>
         <a:font script="Jpan" typeface="ＭＳ Ｐゴシック"/>
@@ -7408,8 +8216,6 @@
       </a:bgFillStyleLst>
     </a:fmtScheme>
   </a:themeElements>
-  <a:objectDefaults/>
-  <a:extraClrSchemeLst/>
   <a:extLst>
     <a:ext uri="{05A4C25C-085E-4340-85A3-A5531E510DB2}">
       <thm15:themeFamily xmlns:thm15="http://schemas.microsoft.com/office/thememl/2012/main" name="Office Theme" id="{62F939B6-93AF-4DB8-9C6B-D6C7DFDC589F}" vid="{4A3C46E8-61CC-4603-A589-7422A47A8E4A}"/>
